--- a/src/main/asciidoc/images/ch02/SpringBatchArchitecture/Ch02_SpringBatchArchitecture.pptx
+++ b/src/main/asciidoc/images/ch02/SpringBatchArchitecture/Ch02_SpringBatchArchitecture.pptx
@@ -199,7 +199,7 @@
           <a:p>
             <a:fld id="{E9FF6BC5-8ACC-48BB-B79D-7850ABC74831}" type="datetimeFigureOut">
               <a:rPr kumimoji="1" lang="ja-JP" altLang="en-US" smtClean="0"/>
-              <a:t>2017/2/15</a:t>
+              <a:t>2018/7/13</a:t>
             </a:fld>
             <a:endParaRPr kumimoji="1" lang="ja-JP" altLang="en-US"/>
           </a:p>
@@ -879,7 +879,7 @@
           <a:p>
             <a:fld id="{B78AC86D-4A87-45A0-A47D-B717A133F1F7}" type="datetimeFigureOut">
               <a:rPr kumimoji="1" lang="ja-JP" altLang="en-US" smtClean="0"/>
-              <a:t>2017/2/15</a:t>
+              <a:t>2018/7/13</a:t>
             </a:fld>
             <a:endParaRPr kumimoji="1" lang="ja-JP" altLang="en-US"/>
           </a:p>
@@ -1079,7 +1079,7 @@
           <a:p>
             <a:fld id="{B78AC86D-4A87-45A0-A47D-B717A133F1F7}" type="datetimeFigureOut">
               <a:rPr kumimoji="1" lang="ja-JP" altLang="en-US" smtClean="0"/>
-              <a:t>2017/2/15</a:t>
+              <a:t>2018/7/13</a:t>
             </a:fld>
             <a:endParaRPr kumimoji="1" lang="ja-JP" altLang="en-US"/>
           </a:p>
@@ -1289,7 +1289,7 @@
           <a:p>
             <a:fld id="{B78AC86D-4A87-45A0-A47D-B717A133F1F7}" type="datetimeFigureOut">
               <a:rPr kumimoji="1" lang="ja-JP" altLang="en-US" smtClean="0"/>
-              <a:t>2017/2/15</a:t>
+              <a:t>2018/7/13</a:t>
             </a:fld>
             <a:endParaRPr kumimoji="1" lang="ja-JP" altLang="en-US"/>
           </a:p>
@@ -1489,7 +1489,7 @@
           <a:p>
             <a:fld id="{B78AC86D-4A87-45A0-A47D-B717A133F1F7}" type="datetimeFigureOut">
               <a:rPr kumimoji="1" lang="ja-JP" altLang="en-US" smtClean="0"/>
-              <a:t>2017/2/15</a:t>
+              <a:t>2018/7/13</a:t>
             </a:fld>
             <a:endParaRPr kumimoji="1" lang="ja-JP" altLang="en-US"/>
           </a:p>
@@ -1734,7 +1734,7 @@
           <a:p>
             <a:fld id="{B78AC86D-4A87-45A0-A47D-B717A133F1F7}" type="datetimeFigureOut">
               <a:rPr kumimoji="1" lang="ja-JP" altLang="en-US" smtClean="0"/>
-              <a:t>2017/2/15</a:t>
+              <a:t>2018/7/13</a:t>
             </a:fld>
             <a:endParaRPr kumimoji="1" lang="ja-JP" altLang="en-US"/>
           </a:p>
@@ -2027,7 +2027,7 @@
           <a:p>
             <a:fld id="{B78AC86D-4A87-45A0-A47D-B717A133F1F7}" type="datetimeFigureOut">
               <a:rPr kumimoji="1" lang="ja-JP" altLang="en-US" smtClean="0"/>
-              <a:t>2017/2/15</a:t>
+              <a:t>2018/7/13</a:t>
             </a:fld>
             <a:endParaRPr kumimoji="1" lang="ja-JP" altLang="en-US"/>
           </a:p>
@@ -2455,7 +2455,7 @@
           <a:p>
             <a:fld id="{B78AC86D-4A87-45A0-A47D-B717A133F1F7}" type="datetimeFigureOut">
               <a:rPr kumimoji="1" lang="ja-JP" altLang="en-US" smtClean="0"/>
-              <a:t>2017/2/15</a:t>
+              <a:t>2018/7/13</a:t>
             </a:fld>
             <a:endParaRPr kumimoji="1" lang="ja-JP" altLang="en-US"/>
           </a:p>
@@ -2572,7 +2572,7 @@
           <a:p>
             <a:fld id="{B78AC86D-4A87-45A0-A47D-B717A133F1F7}" type="datetimeFigureOut">
               <a:rPr kumimoji="1" lang="ja-JP" altLang="en-US" smtClean="0"/>
-              <a:t>2017/2/15</a:t>
+              <a:t>2018/7/13</a:t>
             </a:fld>
             <a:endParaRPr kumimoji="1" lang="ja-JP" altLang="en-US"/>
           </a:p>
@@ -2667,7 +2667,7 @@
           <a:p>
             <a:fld id="{B78AC86D-4A87-45A0-A47D-B717A133F1F7}" type="datetimeFigureOut">
               <a:rPr kumimoji="1" lang="ja-JP" altLang="en-US" smtClean="0"/>
-              <a:t>2017/2/15</a:t>
+              <a:t>2018/7/13</a:t>
             </a:fld>
             <a:endParaRPr kumimoji="1" lang="ja-JP" altLang="en-US"/>
           </a:p>
@@ -2974,7 +2974,7 @@
           <a:p>
             <a:fld id="{B78AC86D-4A87-45A0-A47D-B717A133F1F7}" type="datetimeFigureOut">
               <a:rPr kumimoji="1" lang="ja-JP" altLang="en-US" smtClean="0"/>
-              <a:t>2017/2/15</a:t>
+              <a:t>2018/7/13</a:t>
             </a:fld>
             <a:endParaRPr kumimoji="1" lang="ja-JP" altLang="en-US"/>
           </a:p>
@@ -3226,7 +3226,7 @@
           <a:p>
             <a:fld id="{B78AC86D-4A87-45A0-A47D-B717A133F1F7}" type="datetimeFigureOut">
               <a:rPr kumimoji="1" lang="ja-JP" altLang="en-US" smtClean="0"/>
-              <a:t>2017/2/15</a:t>
+              <a:t>2018/7/13</a:t>
             </a:fld>
             <a:endParaRPr kumimoji="1" lang="ja-JP" altLang="en-US"/>
           </a:p>
@@ -3469,7 +3469,7 @@
           <a:p>
             <a:fld id="{B78AC86D-4A87-45A0-A47D-B717A133F1F7}" type="datetimeFigureOut">
               <a:rPr kumimoji="1" lang="ja-JP" altLang="en-US" smtClean="0"/>
-              <a:t>2017/2/15</a:t>
+              <a:t>2018/7/13</a:t>
             </a:fld>
             <a:endParaRPr kumimoji="1" lang="ja-JP" altLang="en-US"/>
           </a:p>
@@ -3929,8 +3929,8 @@
         </p:nvSpPr>
         <p:spPr>
           <a:xfrm>
-            <a:off x="3537680" y="1262959"/>
-            <a:ext cx="8977318" cy="6681633"/>
+            <a:off x="3674483" y="1262959"/>
+            <a:ext cx="8840514" cy="6681633"/>
           </a:xfrm>
           <a:prstGeom prst="rect">
             <a:avLst/>
@@ -3986,7 +3986,7 @@
         <p:spPr>
           <a:xfrm>
             <a:off x="6230218" y="1415360"/>
-            <a:ext cx="6004254" cy="2638026"/>
+            <a:ext cx="6139582" cy="2638026"/>
           </a:xfrm>
           <a:prstGeom prst="rect">
             <a:avLst/>
@@ -4121,7 +4121,7 @@
         </p:nvSpPr>
         <p:spPr>
           <a:xfrm>
-            <a:off x="1514000" y="2253693"/>
+            <a:off x="1333660" y="2253693"/>
             <a:ext cx="1603948" cy="568247"/>
           </a:xfrm>
           <a:prstGeom prst="rect">
@@ -4148,7 +4148,7 @@
           <a:p>
             <a:pPr algn="ctr"/>
             <a:r>
-              <a:rPr kumimoji="1" lang="en-US" altLang="ja-JP" dirty="0" err="1"/>
+              <a:rPr kumimoji="1" lang="en-US" altLang="ja-JP" dirty="0" err="1" smtClean="0"/>
               <a:t>JobLauncher</a:t>
             </a:r>
             <a:endParaRPr kumimoji="1" lang="ja-JP" altLang="en-US" dirty="0"/>
@@ -4190,7 +4190,7 @@
           <a:p>
             <a:pPr algn="ctr"/>
             <a:r>
-              <a:rPr kumimoji="1" lang="en-US" altLang="ja-JP" dirty="0"/>
+              <a:rPr kumimoji="1" lang="en-US" altLang="ja-JP" dirty="0" smtClean="0"/>
               <a:t>Job</a:t>
             </a:r>
             <a:endParaRPr kumimoji="1" lang="ja-JP" altLang="en-US" dirty="0"/>
@@ -4205,7 +4205,7 @@
         </p:nvSpPr>
         <p:spPr>
           <a:xfrm>
-            <a:off x="6978054" y="2253002"/>
+            <a:off x="7219354" y="2253002"/>
             <a:ext cx="1603948" cy="568247"/>
           </a:xfrm>
           <a:prstGeom prst="rect">
@@ -4232,160 +4232,13 @@
           <a:p>
             <a:pPr algn="ctr"/>
             <a:r>
-              <a:rPr kumimoji="1" lang="en-US" altLang="ja-JP" dirty="0"/>
+              <a:rPr kumimoji="1" lang="en-US" altLang="ja-JP" dirty="0" smtClean="0"/>
               <a:t>Step</a:t>
             </a:r>
             <a:endParaRPr kumimoji="1" lang="ja-JP" altLang="en-US" dirty="0"/>
           </a:p>
         </p:txBody>
       </p:sp>
-      <p:grpSp>
-        <p:nvGrpSpPr>
-          <p:cNvPr id="11" name="グループ化 10"/>
-          <p:cNvGrpSpPr/>
-          <p:nvPr/>
-        </p:nvGrpSpPr>
-        <p:grpSpPr>
-          <a:xfrm>
-            <a:off x="10319775" y="1522270"/>
-            <a:ext cx="1603948" cy="2031092"/>
-            <a:chOff x="7501626" y="2000067"/>
-            <a:chExt cx="1603948" cy="2031092"/>
-          </a:xfrm>
-        </p:grpSpPr>
-        <p:sp>
-          <p:nvSpPr>
-            <p:cNvPr id="8" name="正方形/長方形 7"/>
-            <p:cNvSpPr/>
-            <p:nvPr/>
-          </p:nvSpPr>
-          <p:spPr>
-            <a:xfrm>
-              <a:off x="7501626" y="2731489"/>
-              <a:ext cx="1603948" cy="568247"/>
-            </a:xfrm>
-            <a:prstGeom prst="rect">
-              <a:avLst/>
-            </a:prstGeom>
-          </p:spPr>
-          <p:style>
-            <a:lnRef idx="2">
-              <a:schemeClr val="accent1">
-                <a:shade val="50000"/>
-              </a:schemeClr>
-            </a:lnRef>
-            <a:fillRef idx="1">
-              <a:schemeClr val="accent1"/>
-            </a:fillRef>
-            <a:effectRef idx="0">
-              <a:schemeClr val="accent1"/>
-            </a:effectRef>
-            <a:fontRef idx="minor">
-              <a:schemeClr val="lt1"/>
-            </a:fontRef>
-          </p:style>
-          <p:txBody>
-            <a:bodyPr rtlCol="0" anchor="ctr"/>
-            <a:lstStyle/>
-            <a:p>
-              <a:pPr algn="ctr"/>
-              <a:r>
-                <a:rPr kumimoji="1" lang="en-US" altLang="ja-JP" dirty="0" err="1"/>
-                <a:t>ItemProcessor</a:t>
-              </a:r>
-              <a:endParaRPr kumimoji="1" lang="ja-JP" altLang="en-US" dirty="0"/>
-            </a:p>
-          </p:txBody>
-        </p:sp>
-        <p:sp>
-          <p:nvSpPr>
-            <p:cNvPr id="9" name="正方形/長方形 8"/>
-            <p:cNvSpPr/>
-            <p:nvPr/>
-          </p:nvSpPr>
-          <p:spPr>
-            <a:xfrm>
-              <a:off x="7501626" y="2000067"/>
-              <a:ext cx="1603948" cy="568247"/>
-            </a:xfrm>
-            <a:prstGeom prst="rect">
-              <a:avLst/>
-            </a:prstGeom>
-          </p:spPr>
-          <p:style>
-            <a:lnRef idx="2">
-              <a:schemeClr val="accent1">
-                <a:shade val="50000"/>
-              </a:schemeClr>
-            </a:lnRef>
-            <a:fillRef idx="1">
-              <a:schemeClr val="accent1"/>
-            </a:fillRef>
-            <a:effectRef idx="0">
-              <a:schemeClr val="accent1"/>
-            </a:effectRef>
-            <a:fontRef idx="minor">
-              <a:schemeClr val="lt1"/>
-            </a:fontRef>
-          </p:style>
-          <p:txBody>
-            <a:bodyPr rtlCol="0" anchor="ctr"/>
-            <a:lstStyle/>
-            <a:p>
-              <a:pPr algn="ctr"/>
-              <a:r>
-                <a:rPr kumimoji="1" lang="en-US" altLang="ja-JP" dirty="0" err="1"/>
-                <a:t>ItemReader</a:t>
-              </a:r>
-              <a:endParaRPr kumimoji="1" lang="ja-JP" altLang="en-US" dirty="0"/>
-            </a:p>
-          </p:txBody>
-        </p:sp>
-        <p:sp>
-          <p:nvSpPr>
-            <p:cNvPr id="10" name="正方形/長方形 9"/>
-            <p:cNvSpPr/>
-            <p:nvPr/>
-          </p:nvSpPr>
-          <p:spPr>
-            <a:xfrm>
-              <a:off x="7501626" y="3462912"/>
-              <a:ext cx="1603948" cy="568247"/>
-            </a:xfrm>
-            <a:prstGeom prst="rect">
-              <a:avLst/>
-            </a:prstGeom>
-          </p:spPr>
-          <p:style>
-            <a:lnRef idx="2">
-              <a:schemeClr val="accent1">
-                <a:shade val="50000"/>
-              </a:schemeClr>
-            </a:lnRef>
-            <a:fillRef idx="1">
-              <a:schemeClr val="accent1"/>
-            </a:fillRef>
-            <a:effectRef idx="0">
-              <a:schemeClr val="accent1"/>
-            </a:effectRef>
-            <a:fontRef idx="minor">
-              <a:schemeClr val="lt1"/>
-            </a:fontRef>
-          </p:style>
-          <p:txBody>
-            <a:bodyPr rtlCol="0" anchor="ctr"/>
-            <a:lstStyle/>
-            <a:p>
-              <a:pPr algn="ctr"/>
-              <a:r>
-                <a:rPr kumimoji="1" lang="en-US" altLang="ja-JP" dirty="0" err="1"/>
-                <a:t>ItemWriter</a:t>
-              </a:r>
-              <a:endParaRPr kumimoji="1" lang="ja-JP" altLang="en-US" dirty="0"/>
-            </a:p>
-          </p:txBody>
-        </p:sp>
-      </p:grpSp>
       <p:cxnSp>
         <p:nvCxnSpPr>
           <p:cNvPr id="14" name="カギ線コネクタ 13"/>
@@ -4397,8 +4250,8 @@
         </p:nvCxnSpPr>
         <p:spPr>
           <a:xfrm rot="16200000" flipH="1">
-            <a:off x="422963" y="1446780"/>
-            <a:ext cx="1582474" cy="599600"/>
+            <a:off x="332793" y="1536950"/>
+            <a:ext cx="1582474" cy="419260"/>
           </a:xfrm>
           <a:prstGeom prst="bentConnector2">
             <a:avLst/>
@@ -4430,7 +4283,7 @@
         </p:nvSpPr>
         <p:spPr>
           <a:xfrm>
-            <a:off x="637529" y="2575540"/>
+            <a:off x="434329" y="2550140"/>
             <a:ext cx="1012470" cy="369332"/>
           </a:xfrm>
           <a:prstGeom prst="rect">
@@ -4446,8 +4299,12 @@
           <a:p>
             <a:pPr algn="ctr"/>
             <a:r>
+              <a:rPr kumimoji="1" lang="en-US" altLang="ja-JP" dirty="0" smtClean="0"/>
+              <a:t>1. run</a:t>
+            </a:r>
+            <a:r>
               <a:rPr kumimoji="1" lang="en-US" altLang="ja-JP" dirty="0"/>
-              <a:t>run()</a:t>
+              <a:t>()</a:t>
             </a:r>
             <a:endParaRPr kumimoji="1" lang="ja-JP" altLang="en-US" dirty="0"/>
           </a:p>
@@ -4461,8 +4318,8 @@
         </p:nvSpPr>
         <p:spPr>
           <a:xfrm>
-            <a:off x="3047748" y="2575540"/>
-            <a:ext cx="1158792" cy="369332"/>
+            <a:off x="2910122" y="2562775"/>
+            <a:ext cx="1334836" cy="369332"/>
           </a:xfrm>
           <a:prstGeom prst="rect">
             <a:avLst/>
@@ -4477,8 +4334,12 @@
           <a:p>
             <a:pPr algn="ctr"/>
             <a:r>
+              <a:rPr kumimoji="1" lang="en-US" altLang="ja-JP" dirty="0" smtClean="0"/>
+              <a:t>2. execute</a:t>
+            </a:r>
+            <a:r>
               <a:rPr kumimoji="1" lang="en-US" altLang="ja-JP" dirty="0"/>
-              <a:t>execute()</a:t>
+              <a:t>()</a:t>
             </a:r>
             <a:endParaRPr kumimoji="1" lang="ja-JP" altLang="en-US" dirty="0"/>
           </a:p>
@@ -4495,8 +4356,8 @@
         </p:nvCxnSpPr>
         <p:spPr>
           <a:xfrm flipV="1">
-            <a:off x="3117948" y="2537126"/>
-            <a:ext cx="1046184" cy="691"/>
+            <a:off x="2937608" y="2537126"/>
+            <a:ext cx="1226524" cy="691"/>
           </a:xfrm>
           <a:prstGeom prst="straightConnector1">
             <a:avLst/>
@@ -4532,7 +4393,7 @@
         <p:spPr>
           <a:xfrm>
             <a:off x="5768080" y="2537126"/>
-            <a:ext cx="1209974" cy="0"/>
+            <a:ext cx="1451274" cy="0"/>
           </a:xfrm>
           <a:prstGeom prst="straightConnector1">
             <a:avLst/>
@@ -4556,49 +4417,17 @@
           </a:fontRef>
         </p:style>
       </p:cxnSp>
-      <p:sp>
-        <p:nvSpPr>
-          <p:cNvPr id="25" name="テキスト ボックス 24"/>
-          <p:cNvSpPr txBox="1"/>
-          <p:nvPr/>
-        </p:nvSpPr>
-        <p:spPr>
-          <a:xfrm>
-            <a:off x="5892135" y="2575540"/>
-            <a:ext cx="1158792" cy="369332"/>
-          </a:xfrm>
-          <a:prstGeom prst="rect">
-            <a:avLst/>
-          </a:prstGeom>
-          <a:noFill/>
-        </p:spPr>
-        <p:txBody>
-          <a:bodyPr wrap="square" rtlCol="0" anchor="ctr">
-            <a:spAutoFit/>
-          </a:bodyPr>
-          <a:lstStyle/>
-          <a:p>
-            <a:pPr algn="ctr"/>
-            <a:r>
-              <a:rPr kumimoji="1" lang="en-US" altLang="ja-JP" dirty="0"/>
-              <a:t>execute()</a:t>
-            </a:r>
-            <a:endParaRPr kumimoji="1" lang="ja-JP" altLang="en-US" dirty="0"/>
-          </a:p>
-        </p:txBody>
-      </p:sp>
       <p:cxnSp>
         <p:nvCxnSpPr>
           <p:cNvPr id="26" name="カギ線コネクタ 25"/>
           <p:cNvCxnSpPr>
             <a:stCxn id="7" idx="3"/>
-            <a:endCxn id="9" idx="1"/>
           </p:cNvCxnSpPr>
           <p:nvPr/>
         </p:nvCxnSpPr>
         <p:spPr>
           <a:xfrm flipV="1">
-            <a:off x="8582002" y="1806394"/>
+            <a:off x="8823302" y="1806394"/>
             <a:ext cx="1737773" cy="730732"/>
           </a:xfrm>
           <a:prstGeom prst="bentConnector3">
@@ -4630,13 +4459,12 @@
           <p:cNvPr id="29" name="カギ線コネクタ 28"/>
           <p:cNvCxnSpPr>
             <a:stCxn id="7" idx="3"/>
-            <a:endCxn id="10" idx="1"/>
           </p:cNvCxnSpPr>
           <p:nvPr/>
         </p:nvCxnSpPr>
         <p:spPr>
           <a:xfrm>
-            <a:off x="8582002" y="2537126"/>
+            <a:off x="8823302" y="2537126"/>
             <a:ext cx="1737773" cy="732113"/>
           </a:xfrm>
           <a:prstGeom prst="bentConnector3">
@@ -4668,13 +4496,12 @@
           <p:cNvPr id="32" name="カギ線コネクタ 16"/>
           <p:cNvCxnSpPr>
             <a:stCxn id="7" idx="3"/>
-            <a:endCxn id="8" idx="1"/>
           </p:cNvCxnSpPr>
           <p:nvPr/>
         </p:nvCxnSpPr>
         <p:spPr>
           <a:xfrm>
-            <a:off x="8582002" y="2537126"/>
+            <a:off x="8823302" y="2537126"/>
             <a:ext cx="1737773" cy="690"/>
           </a:xfrm>
           <a:prstGeom prst="straightConnector1">
@@ -4707,7 +4534,7 @@
         </p:nvSpPr>
         <p:spPr>
           <a:xfrm>
-            <a:off x="8995619" y="1793610"/>
+            <a:off x="9236919" y="1793610"/>
             <a:ext cx="1158792" cy="369332"/>
           </a:xfrm>
           <a:prstGeom prst="rect">
@@ -4722,8 +4549,12 @@
           <a:lstStyle/>
           <a:p>
             <a:r>
+              <a:rPr kumimoji="1" lang="en-US" altLang="ja-JP" dirty="0" smtClean="0"/>
+              <a:t>4. read</a:t>
+            </a:r>
+            <a:r>
               <a:rPr kumimoji="1" lang="en-US" altLang="ja-JP" dirty="0"/>
-              <a:t>read()</a:t>
+              <a:t>()</a:t>
             </a:r>
             <a:endParaRPr kumimoji="1" lang="ja-JP" altLang="en-US" dirty="0"/>
           </a:p>
@@ -4737,8 +4568,8 @@
         </p:nvSpPr>
         <p:spPr>
           <a:xfrm>
-            <a:off x="8995619" y="2575540"/>
-            <a:ext cx="1158792" cy="369332"/>
+            <a:off x="9236919" y="2575540"/>
+            <a:ext cx="1324156" cy="369332"/>
           </a:xfrm>
           <a:prstGeom prst="rect">
             <a:avLst/>
@@ -4752,8 +4583,12 @@
           <a:lstStyle/>
           <a:p>
             <a:r>
+              <a:rPr kumimoji="1" lang="en-US" altLang="ja-JP" dirty="0" smtClean="0"/>
+              <a:t>5. process</a:t>
+            </a:r>
+            <a:r>
               <a:rPr kumimoji="1" lang="en-US" altLang="ja-JP" dirty="0"/>
-              <a:t>process()</a:t>
+              <a:t>()</a:t>
             </a:r>
             <a:endParaRPr kumimoji="1" lang="ja-JP" altLang="en-US" dirty="0"/>
           </a:p>
@@ -4767,7 +4602,7 @@
         </p:nvSpPr>
         <p:spPr>
           <a:xfrm>
-            <a:off x="8995619" y="3316536"/>
+            <a:off x="9236919" y="3316536"/>
             <a:ext cx="1158792" cy="369332"/>
           </a:xfrm>
           <a:prstGeom prst="rect">
@@ -4782,8 +4617,12 @@
           <a:lstStyle/>
           <a:p>
             <a:r>
+              <a:rPr kumimoji="1" lang="en-US" altLang="ja-JP" dirty="0" smtClean="0"/>
+              <a:t>6. write</a:t>
+            </a:r>
+            <a:r>
               <a:rPr kumimoji="1" lang="en-US" altLang="ja-JP" dirty="0"/>
-              <a:t>write()</a:t>
+              <a:t>()</a:t>
             </a:r>
             <a:endParaRPr kumimoji="1" lang="ja-JP" altLang="en-US" dirty="0"/>
           </a:p>
@@ -4797,7 +4636,7 @@
         </p:nvSpPr>
         <p:spPr>
           <a:xfrm>
-            <a:off x="6673755" y="3094999"/>
+            <a:off x="6915055" y="3094999"/>
             <a:ext cx="1908247" cy="767318"/>
           </a:xfrm>
           <a:prstGeom prst="ellipse">
@@ -4847,7 +4686,7 @@
         <p:spPr>
           <a:xfrm>
             <a:off x="6232490" y="4215427"/>
-            <a:ext cx="6004254" cy="2638026"/>
+            <a:ext cx="6137310" cy="2638026"/>
           </a:xfrm>
           <a:prstGeom prst="rect">
             <a:avLst/>
@@ -4902,7 +4741,7 @@
         </p:nvSpPr>
         <p:spPr>
           <a:xfrm>
-            <a:off x="6980326" y="5053069"/>
+            <a:off x="7221626" y="5053069"/>
             <a:ext cx="1603948" cy="568247"/>
           </a:xfrm>
           <a:prstGeom prst="rect">
@@ -4929,160 +4768,13 @@
           <a:p>
             <a:pPr algn="ctr"/>
             <a:r>
-              <a:rPr kumimoji="1" lang="en-US" altLang="ja-JP" dirty="0"/>
+              <a:rPr kumimoji="1" lang="en-US" altLang="ja-JP" smtClean="0"/>
               <a:t>Step</a:t>
             </a:r>
             <a:endParaRPr kumimoji="1" lang="ja-JP" altLang="en-US" dirty="0"/>
           </a:p>
         </p:txBody>
       </p:sp>
-      <p:grpSp>
-        <p:nvGrpSpPr>
-          <p:cNvPr id="47" name="グループ化 46"/>
-          <p:cNvGrpSpPr/>
-          <p:nvPr/>
-        </p:nvGrpSpPr>
-        <p:grpSpPr>
-          <a:xfrm>
-            <a:off x="10322047" y="4322337"/>
-            <a:ext cx="1603948" cy="2031092"/>
-            <a:chOff x="7501626" y="2000067"/>
-            <a:chExt cx="1603948" cy="2031092"/>
-          </a:xfrm>
-        </p:grpSpPr>
-        <p:sp>
-          <p:nvSpPr>
-            <p:cNvPr id="48" name="正方形/長方形 47"/>
-            <p:cNvSpPr/>
-            <p:nvPr/>
-          </p:nvSpPr>
-          <p:spPr>
-            <a:xfrm>
-              <a:off x="7501626" y="2731489"/>
-              <a:ext cx="1603948" cy="568247"/>
-            </a:xfrm>
-            <a:prstGeom prst="rect">
-              <a:avLst/>
-            </a:prstGeom>
-          </p:spPr>
-          <p:style>
-            <a:lnRef idx="2">
-              <a:schemeClr val="accent1">
-                <a:shade val="50000"/>
-              </a:schemeClr>
-            </a:lnRef>
-            <a:fillRef idx="1">
-              <a:schemeClr val="accent1"/>
-            </a:fillRef>
-            <a:effectRef idx="0">
-              <a:schemeClr val="accent1"/>
-            </a:effectRef>
-            <a:fontRef idx="minor">
-              <a:schemeClr val="lt1"/>
-            </a:fontRef>
-          </p:style>
-          <p:txBody>
-            <a:bodyPr rtlCol="0" anchor="ctr"/>
-            <a:lstStyle/>
-            <a:p>
-              <a:pPr algn="ctr"/>
-              <a:r>
-                <a:rPr kumimoji="1" lang="en-US" altLang="ja-JP" dirty="0" err="1"/>
-                <a:t>ItemProcessor</a:t>
-              </a:r>
-              <a:endParaRPr kumimoji="1" lang="ja-JP" altLang="en-US" dirty="0"/>
-            </a:p>
-          </p:txBody>
-        </p:sp>
-        <p:sp>
-          <p:nvSpPr>
-            <p:cNvPr id="49" name="正方形/長方形 48"/>
-            <p:cNvSpPr/>
-            <p:nvPr/>
-          </p:nvSpPr>
-          <p:spPr>
-            <a:xfrm>
-              <a:off x="7501626" y="2000067"/>
-              <a:ext cx="1603948" cy="568247"/>
-            </a:xfrm>
-            <a:prstGeom prst="rect">
-              <a:avLst/>
-            </a:prstGeom>
-          </p:spPr>
-          <p:style>
-            <a:lnRef idx="2">
-              <a:schemeClr val="accent1">
-                <a:shade val="50000"/>
-              </a:schemeClr>
-            </a:lnRef>
-            <a:fillRef idx="1">
-              <a:schemeClr val="accent1"/>
-            </a:fillRef>
-            <a:effectRef idx="0">
-              <a:schemeClr val="accent1"/>
-            </a:effectRef>
-            <a:fontRef idx="minor">
-              <a:schemeClr val="lt1"/>
-            </a:fontRef>
-          </p:style>
-          <p:txBody>
-            <a:bodyPr rtlCol="0" anchor="ctr"/>
-            <a:lstStyle/>
-            <a:p>
-              <a:pPr algn="ctr"/>
-              <a:r>
-                <a:rPr kumimoji="1" lang="en-US" altLang="ja-JP" dirty="0" err="1"/>
-                <a:t>ItemReader</a:t>
-              </a:r>
-              <a:endParaRPr kumimoji="1" lang="ja-JP" altLang="en-US" dirty="0"/>
-            </a:p>
-          </p:txBody>
-        </p:sp>
-        <p:sp>
-          <p:nvSpPr>
-            <p:cNvPr id="50" name="正方形/長方形 49"/>
-            <p:cNvSpPr/>
-            <p:nvPr/>
-          </p:nvSpPr>
-          <p:spPr>
-            <a:xfrm>
-              <a:off x="7501626" y="3462912"/>
-              <a:ext cx="1603948" cy="568247"/>
-            </a:xfrm>
-            <a:prstGeom prst="rect">
-              <a:avLst/>
-            </a:prstGeom>
-          </p:spPr>
-          <p:style>
-            <a:lnRef idx="2">
-              <a:schemeClr val="accent1">
-                <a:shade val="50000"/>
-              </a:schemeClr>
-            </a:lnRef>
-            <a:fillRef idx="1">
-              <a:schemeClr val="accent1"/>
-            </a:fillRef>
-            <a:effectRef idx="0">
-              <a:schemeClr val="accent1"/>
-            </a:effectRef>
-            <a:fontRef idx="minor">
-              <a:schemeClr val="lt1"/>
-            </a:fontRef>
-          </p:style>
-          <p:txBody>
-            <a:bodyPr rtlCol="0" anchor="ctr"/>
-            <a:lstStyle/>
-            <a:p>
-              <a:pPr algn="ctr"/>
-              <a:r>
-                <a:rPr kumimoji="1" lang="en-US" altLang="ja-JP" dirty="0" err="1"/>
-                <a:t>ItemWriter</a:t>
-              </a:r>
-              <a:endParaRPr kumimoji="1" lang="ja-JP" altLang="en-US" dirty="0"/>
-            </a:p>
-          </p:txBody>
-        </p:sp>
-      </p:grpSp>
       <p:sp>
         <p:nvSpPr>
           <p:cNvPr id="51" name="テキスト ボックス 50"/>
@@ -5092,7 +4784,7 @@
         <p:spPr>
           <a:xfrm>
             <a:off x="5894407" y="5375607"/>
-            <a:ext cx="1158792" cy="369332"/>
+            <a:ext cx="1298578" cy="369332"/>
           </a:xfrm>
           <a:prstGeom prst="rect">
             <a:avLst/>
@@ -5107,8 +4799,12 @@
           <a:p>
             <a:pPr algn="ctr"/>
             <a:r>
+              <a:rPr kumimoji="1" lang="en-US" altLang="ja-JP" dirty="0" smtClean="0"/>
+              <a:t>3. execute</a:t>
+            </a:r>
+            <a:r>
               <a:rPr kumimoji="1" lang="en-US" altLang="ja-JP" dirty="0"/>
-              <a:t>execute()</a:t>
+              <a:t>()</a:t>
             </a:r>
             <a:endParaRPr kumimoji="1" lang="ja-JP" altLang="en-US" dirty="0"/>
           </a:p>
@@ -5119,13 +4815,12 @@
           <p:cNvPr id="52" name="カギ線コネクタ 51"/>
           <p:cNvCxnSpPr>
             <a:stCxn id="46" idx="3"/>
-            <a:endCxn id="49" idx="1"/>
           </p:cNvCxnSpPr>
           <p:nvPr/>
         </p:nvCxnSpPr>
         <p:spPr>
           <a:xfrm flipV="1">
-            <a:off x="8584274" y="4606461"/>
+            <a:off x="8825574" y="4606461"/>
             <a:ext cx="1737773" cy="730732"/>
           </a:xfrm>
           <a:prstGeom prst="bentConnector3">
@@ -5157,13 +4852,12 @@
           <p:cNvPr id="53" name="カギ線コネクタ 52"/>
           <p:cNvCxnSpPr>
             <a:stCxn id="46" idx="3"/>
-            <a:endCxn id="50" idx="1"/>
           </p:cNvCxnSpPr>
           <p:nvPr/>
         </p:nvCxnSpPr>
         <p:spPr>
           <a:xfrm>
-            <a:off x="8584274" y="5337193"/>
+            <a:off x="8825574" y="5337193"/>
             <a:ext cx="1737773" cy="732113"/>
           </a:xfrm>
           <a:prstGeom prst="bentConnector3">
@@ -5195,13 +4889,12 @@
           <p:cNvPr id="54" name="カギ線コネクタ 16"/>
           <p:cNvCxnSpPr>
             <a:stCxn id="46" idx="3"/>
-            <a:endCxn id="48" idx="1"/>
           </p:cNvCxnSpPr>
           <p:nvPr/>
         </p:nvCxnSpPr>
         <p:spPr>
           <a:xfrm>
-            <a:off x="8584274" y="5337193"/>
+            <a:off x="8825574" y="5337193"/>
             <a:ext cx="1737773" cy="690"/>
           </a:xfrm>
           <a:prstGeom prst="straightConnector1">
@@ -5234,7 +4927,7 @@
         </p:nvSpPr>
         <p:spPr>
           <a:xfrm>
-            <a:off x="8997891" y="4593677"/>
+            <a:off x="9239191" y="4593677"/>
             <a:ext cx="1158792" cy="369332"/>
           </a:xfrm>
           <a:prstGeom prst="rect">
@@ -5249,8 +4942,12 @@
           <a:lstStyle/>
           <a:p>
             <a:r>
+              <a:rPr kumimoji="1" lang="en-US" altLang="ja-JP" dirty="0" smtClean="0"/>
+              <a:t>4. read</a:t>
+            </a:r>
+            <a:r>
               <a:rPr kumimoji="1" lang="en-US" altLang="ja-JP" dirty="0"/>
-              <a:t>read()</a:t>
+              <a:t>()</a:t>
             </a:r>
             <a:endParaRPr kumimoji="1" lang="ja-JP" altLang="en-US" dirty="0"/>
           </a:p>
@@ -5264,8 +4961,8 @@
         </p:nvSpPr>
         <p:spPr>
           <a:xfrm>
-            <a:off x="8997891" y="5375607"/>
-            <a:ext cx="1158792" cy="369332"/>
+            <a:off x="9239191" y="5375607"/>
+            <a:ext cx="1321884" cy="369332"/>
           </a:xfrm>
           <a:prstGeom prst="rect">
             <a:avLst/>
@@ -5279,8 +4976,12 @@
           <a:lstStyle/>
           <a:p>
             <a:r>
+              <a:rPr kumimoji="1" lang="en-US" altLang="ja-JP" dirty="0" smtClean="0"/>
+              <a:t>5. process</a:t>
+            </a:r>
+            <a:r>
               <a:rPr kumimoji="1" lang="en-US" altLang="ja-JP" dirty="0"/>
-              <a:t>process()</a:t>
+              <a:t>()</a:t>
             </a:r>
             <a:endParaRPr kumimoji="1" lang="ja-JP" altLang="en-US" dirty="0"/>
           </a:p>
@@ -5294,7 +4995,7 @@
         </p:nvSpPr>
         <p:spPr>
           <a:xfrm>
-            <a:off x="8997891" y="6116603"/>
+            <a:off x="9239191" y="6116603"/>
             <a:ext cx="1158792" cy="369332"/>
           </a:xfrm>
           <a:prstGeom prst="rect">
@@ -5309,8 +5010,12 @@
           <a:lstStyle/>
           <a:p>
             <a:r>
+              <a:rPr kumimoji="1" lang="en-US" altLang="ja-JP" dirty="0" smtClean="0"/>
+              <a:t>6. write</a:t>
+            </a:r>
+            <a:r>
               <a:rPr kumimoji="1" lang="en-US" altLang="ja-JP" dirty="0"/>
-              <a:t>write()</a:t>
+              <a:t>()</a:t>
             </a:r>
             <a:endParaRPr kumimoji="1" lang="ja-JP" altLang="en-US" dirty="0"/>
           </a:p>
@@ -5324,7 +5029,7 @@
         </p:nvSpPr>
         <p:spPr>
           <a:xfrm>
-            <a:off x="6676027" y="5895066"/>
+            <a:off x="6917327" y="5895066"/>
             <a:ext cx="1908247" cy="767318"/>
           </a:xfrm>
           <a:prstGeom prst="ellipse">
@@ -5368,20 +5073,17 @@
       <p:cxnSp>
         <p:nvCxnSpPr>
           <p:cNvPr id="59" name="カギ線コネクタ 16"/>
-          <p:cNvCxnSpPr>
-            <a:stCxn id="6" idx="3"/>
-            <a:endCxn id="46" idx="1"/>
-          </p:cNvCxnSpPr>
+          <p:cNvCxnSpPr/>
           <p:nvPr/>
         </p:nvCxnSpPr>
         <p:spPr>
           <a:xfrm>
             <a:off x="5768080" y="2537126"/>
-            <a:ext cx="1212246" cy="2800067"/>
+            <a:ext cx="1453546" cy="2800067"/>
           </a:xfrm>
           <a:prstGeom prst="bentConnector3">
             <a:avLst>
-              <a:gd name="adj1" fmla="val 12848"/>
+              <a:gd name="adj1" fmla="val 11556"/>
             </a:avLst>
           </a:prstGeom>
           <a:ln>
@@ -5437,15 +5139,12 @@
       <p:cxnSp>
         <p:nvCxnSpPr>
           <p:cNvPr id="65" name="カギ線コネクタ 16"/>
-          <p:cNvCxnSpPr>
-            <a:stCxn id="6" idx="3"/>
-            <a:endCxn id="64" idx="1"/>
-          </p:cNvCxnSpPr>
+          <p:cNvCxnSpPr/>
           <p:nvPr/>
         </p:nvCxnSpPr>
         <p:spPr>
           <a:xfrm>
-            <a:off x="5768080" y="2537126"/>
+            <a:off x="5777605" y="2537126"/>
             <a:ext cx="319839" cy="4651120"/>
           </a:xfrm>
           <a:prstGeom prst="bentConnector3">
@@ -5480,7 +5179,7 @@
         </p:nvSpPr>
         <p:spPr>
           <a:xfrm>
-            <a:off x="3715262" y="7029210"/>
+            <a:off x="3860402" y="7029210"/>
             <a:ext cx="1908247" cy="767318"/>
           </a:xfrm>
           <a:prstGeom prst="ellipse">
@@ -5529,7 +5228,7 @@
         </p:nvSpPr>
         <p:spPr>
           <a:xfrm>
-            <a:off x="1514000" y="6014972"/>
+            <a:off x="1340323" y="5994839"/>
             <a:ext cx="1603948" cy="568247"/>
           </a:xfrm>
           <a:prstGeom prst="rect">
@@ -5556,7 +5255,7 @@
           <a:p>
             <a:pPr algn="ctr"/>
             <a:r>
-              <a:rPr lang="en-US" altLang="ja-JP" dirty="0" err="1"/>
+              <a:rPr lang="en-US" altLang="ja-JP" dirty="0" err="1" smtClean="0"/>
               <a:t>JobRepository</a:t>
             </a:r>
             <a:endParaRPr kumimoji="1" lang="ja-JP" altLang="en-US" dirty="0"/>
@@ -5574,53 +5273,11 @@
         </p:nvCxnSpPr>
         <p:spPr>
           <a:xfrm>
-            <a:off x="2315974" y="2821940"/>
-            <a:ext cx="0" cy="3193032"/>
+            <a:off x="2135634" y="2821940"/>
+            <a:ext cx="6663" cy="3172899"/>
           </a:xfrm>
           <a:prstGeom prst="straightConnector1">
             <a:avLst/>
-          </a:prstGeom>
-          <a:ln>
-            <a:solidFill>
-              <a:srgbClr val="FF0000"/>
-            </a:solidFill>
-            <a:prstDash val="solid"/>
-            <a:tailEnd type="triangle"/>
-          </a:ln>
-        </p:spPr>
-        <p:style>
-          <a:lnRef idx="3">
-            <a:schemeClr val="dk1"/>
-          </a:lnRef>
-          <a:fillRef idx="0">
-            <a:schemeClr val="dk1"/>
-          </a:fillRef>
-          <a:effectRef idx="2">
-            <a:schemeClr val="dk1"/>
-          </a:effectRef>
-          <a:fontRef idx="minor">
-            <a:schemeClr val="tx1"/>
-          </a:fontRef>
-        </p:style>
-      </p:cxnSp>
-      <p:cxnSp>
-        <p:nvCxnSpPr>
-          <p:cNvPr id="75" name="カギ線コネクタ 16"/>
-          <p:cNvCxnSpPr>
-            <a:stCxn id="6" idx="2"/>
-            <a:endCxn id="70" idx="0"/>
-          </p:cNvCxnSpPr>
-          <p:nvPr/>
-        </p:nvCxnSpPr>
-        <p:spPr>
-          <a:xfrm rot="5400000">
-            <a:off x="2044179" y="3093044"/>
-            <a:ext cx="3193723" cy="2650132"/>
-          </a:xfrm>
-          <a:prstGeom prst="bentConnector3">
-            <a:avLst>
-              <a:gd name="adj1" fmla="val 6124"/>
-            </a:avLst>
           </a:prstGeom>
           <a:ln>
             <a:solidFill>
@@ -5649,19 +5306,18 @@
         <p:nvCxnSpPr>
           <p:cNvPr id="78" name="カギ線コネクタ 16"/>
           <p:cNvCxnSpPr>
-            <a:stCxn id="7" idx="2"/>
-            <a:endCxn id="70" idx="0"/>
+            <a:endCxn id="70" idx="3"/>
           </p:cNvCxnSpPr>
           <p:nvPr/>
         </p:nvCxnSpPr>
         <p:spPr>
-          <a:xfrm rot="5400000">
-            <a:off x="3451140" y="1686083"/>
-            <a:ext cx="3193723" cy="5464054"/>
+          <a:xfrm rot="10800000" flipV="1">
+            <a:off x="2944272" y="2995747"/>
+            <a:ext cx="5090967" cy="3283215"/>
           </a:xfrm>
           <a:prstGeom prst="bentConnector3">
             <a:avLst>
-              <a:gd name="adj1" fmla="val 6124"/>
+              <a:gd name="adj1" fmla="val 50000"/>
             </a:avLst>
           </a:prstGeom>
           <a:ln>
@@ -5692,26 +5348,23 @@
           <p:cNvPr id="83" name="カギ線コネクタ 16"/>
           <p:cNvCxnSpPr>
             <a:stCxn id="46" idx="2"/>
-            <a:endCxn id="70" idx="0"/>
           </p:cNvCxnSpPr>
           <p:nvPr/>
         </p:nvCxnSpPr>
         <p:spPr>
           <a:xfrm rot="5400000">
-            <a:off x="4852309" y="3084981"/>
-            <a:ext cx="393656" cy="5466326"/>
-          </a:xfrm>
-          <a:prstGeom prst="bentConnector3">
-            <a:avLst>
-              <a:gd name="adj1" fmla="val 50000"/>
-            </a:avLst>
+            <a:off x="6662501" y="4442671"/>
+            <a:ext cx="182454" cy="2539745"/>
+          </a:xfrm>
+          <a:prstGeom prst="bentConnector2">
+            <a:avLst/>
           </a:prstGeom>
           <a:ln>
             <a:solidFill>
               <a:srgbClr val="FF0000"/>
             </a:solidFill>
             <a:prstDash val="solid"/>
-            <a:tailEnd type="triangle"/>
+            <a:tailEnd type="none"/>
           </a:ln>
         </p:spPr>
         <p:style>
@@ -5737,7 +5390,7 @@
         </p:nvSpPr>
         <p:spPr>
           <a:xfrm>
-            <a:off x="1514000" y="8302101"/>
+            <a:off x="1310800" y="8302101"/>
             <a:ext cx="1603948" cy="654125"/>
           </a:xfrm>
           <a:prstGeom prst="flowChartMagneticDisk">
@@ -5779,8 +5432,8 @@
         </p:nvSpPr>
         <p:spPr>
           <a:xfrm>
-            <a:off x="3072457" y="5857647"/>
-            <a:ext cx="1688873" cy="369332"/>
+            <a:off x="3324810" y="5895066"/>
+            <a:ext cx="1840296" cy="369332"/>
           </a:xfrm>
           <a:prstGeom prst="rect">
             <a:avLst/>
@@ -5795,8 +5448,20 @@
           <a:p>
             <a:pPr algn="ctr"/>
             <a:r>
+              <a:rPr kumimoji="1" lang="en-US" altLang="ja-JP" dirty="0" smtClean="0">
+                <a:solidFill>
+                  <a:srgbClr val="FF0000"/>
+                </a:solidFill>
+              </a:rPr>
+              <a:t>3. </a:t>
+            </a:r>
+            <a:r>
+              <a:rPr kumimoji="1" lang="en-US" altLang="ja-JP" dirty="0" smtClean="0"/>
+              <a:t>CRU </a:t>
+            </a:r>
+            <a:r>
               <a:rPr kumimoji="1" lang="en-US" altLang="ja-JP" dirty="0"/>
-              <a:t>CRU Operation</a:t>
+              <a:t>Operation</a:t>
             </a:r>
             <a:endParaRPr kumimoji="1" lang="ja-JP" altLang="en-US" dirty="0"/>
           </a:p>
@@ -5810,7 +5475,7 @@
         </p:nvCxnSpPr>
         <p:spPr>
           <a:xfrm flipV="1">
-            <a:off x="7784231" y="492614"/>
+            <a:off x="7809631" y="302114"/>
             <a:ext cx="1046184" cy="691"/>
           </a:xfrm>
           <a:prstGeom prst="straightConnector1">
@@ -5843,7 +5508,7 @@
         </p:nvCxnSpPr>
         <p:spPr>
           <a:xfrm flipV="1">
-            <a:off x="7784231" y="811589"/>
+            <a:off x="7809631" y="621089"/>
             <a:ext cx="1046184" cy="691"/>
           </a:xfrm>
           <a:prstGeom prst="straightConnector1">
@@ -5879,7 +5544,7 @@
         </p:nvSpPr>
         <p:spPr>
           <a:xfrm>
-            <a:off x="8830415" y="308293"/>
+            <a:off x="8906615" y="117793"/>
             <a:ext cx="3686602" cy="338554"/>
           </a:xfrm>
           <a:prstGeom prst="rect">
@@ -5909,7 +5574,7 @@
         </p:nvSpPr>
         <p:spPr>
           <a:xfrm>
-            <a:off x="8843298" y="627268"/>
+            <a:off x="8919498" y="436768"/>
             <a:ext cx="3671700" cy="338554"/>
           </a:xfrm>
           <a:prstGeom prst="rect">
@@ -5939,7 +5604,7 @@
         </p:nvSpPr>
         <p:spPr>
           <a:xfrm>
-            <a:off x="2115610" y="6599423"/>
+            <a:off x="1912410" y="6599423"/>
             <a:ext cx="459878" cy="1702678"/>
           </a:xfrm>
           <a:prstGeom prst="upDownArrow">
@@ -5994,6 +5659,743 @@
           <a:p>
             <a:pPr algn="ctr"/>
             <a:endParaRPr kumimoji="1" lang="ja-JP" altLang="en-US"/>
+          </a:p>
+        </p:txBody>
+      </p:sp>
+      <p:grpSp>
+        <p:nvGrpSpPr>
+          <p:cNvPr id="62" name="グループ化 61"/>
+          <p:cNvGrpSpPr/>
+          <p:nvPr/>
+        </p:nvGrpSpPr>
+        <p:grpSpPr>
+          <a:xfrm>
+            <a:off x="10572712" y="1505109"/>
+            <a:ext cx="1590039" cy="2055360"/>
+            <a:chOff x="10106151" y="3764353"/>
+            <a:chExt cx="1603948" cy="2548315"/>
+          </a:xfrm>
+        </p:grpSpPr>
+        <p:sp>
+          <p:nvSpPr>
+            <p:cNvPr id="63" name="正方形/長方形 62"/>
+            <p:cNvSpPr/>
+            <p:nvPr/>
+          </p:nvSpPr>
+          <p:spPr>
+            <a:xfrm>
+              <a:off x="10106151" y="3764353"/>
+              <a:ext cx="1603948" cy="740996"/>
+            </a:xfrm>
+            <a:prstGeom prst="rect">
+              <a:avLst/>
+            </a:prstGeom>
+            <a:solidFill>
+              <a:srgbClr val="A3CC8F"/>
+            </a:solidFill>
+            <a:ln>
+              <a:solidFill>
+                <a:srgbClr val="70AD47"/>
+              </a:solidFill>
+            </a:ln>
+          </p:spPr>
+          <p:style>
+            <a:lnRef idx="2">
+              <a:schemeClr val="accent1">
+                <a:shade val="50000"/>
+              </a:schemeClr>
+            </a:lnRef>
+            <a:fillRef idx="1">
+              <a:schemeClr val="accent1"/>
+            </a:fillRef>
+            <a:effectRef idx="0">
+              <a:schemeClr val="accent1"/>
+            </a:effectRef>
+            <a:fontRef idx="minor">
+              <a:schemeClr val="lt1"/>
+            </a:fontRef>
+          </p:style>
+          <p:txBody>
+            <a:bodyPr rtlCol="0" anchor="ctr"/>
+            <a:lstStyle/>
+            <a:p>
+              <a:pPr algn="ctr"/>
+              <a:r>
+                <a:rPr kumimoji="1" lang="en-US" altLang="ja-JP" dirty="0" err="1" smtClean="0">
+                  <a:solidFill>
+                    <a:schemeClr val="tx1"/>
+                  </a:solidFill>
+                </a:rPr>
+                <a:t>ItemReader</a:t>
+              </a:r>
+              <a:endParaRPr kumimoji="1" lang="ja-JP" altLang="en-US" dirty="0">
+                <a:solidFill>
+                  <a:schemeClr val="tx1"/>
+                </a:solidFill>
+              </a:endParaRPr>
+            </a:p>
+          </p:txBody>
+        </p:sp>
+        <p:sp>
+          <p:nvSpPr>
+            <p:cNvPr id="66" name="正方形/長方形 65"/>
+            <p:cNvSpPr/>
+            <p:nvPr/>
+          </p:nvSpPr>
+          <p:spPr>
+            <a:xfrm>
+              <a:off x="10106151" y="4670003"/>
+              <a:ext cx="1603948" cy="740996"/>
+            </a:xfrm>
+            <a:prstGeom prst="rect">
+              <a:avLst/>
+            </a:prstGeom>
+            <a:solidFill>
+              <a:srgbClr val="A3CC8F"/>
+            </a:solidFill>
+            <a:ln>
+              <a:solidFill>
+                <a:srgbClr val="70AD47"/>
+              </a:solidFill>
+            </a:ln>
+          </p:spPr>
+          <p:style>
+            <a:lnRef idx="2">
+              <a:schemeClr val="accent1">
+                <a:shade val="50000"/>
+              </a:schemeClr>
+            </a:lnRef>
+            <a:fillRef idx="1">
+              <a:schemeClr val="accent1"/>
+            </a:fillRef>
+            <a:effectRef idx="0">
+              <a:schemeClr val="accent1"/>
+            </a:effectRef>
+            <a:fontRef idx="minor">
+              <a:schemeClr val="lt1"/>
+            </a:fontRef>
+          </p:style>
+          <p:txBody>
+            <a:bodyPr rtlCol="0" anchor="ctr"/>
+            <a:lstStyle/>
+            <a:p>
+              <a:pPr algn="ctr"/>
+              <a:r>
+                <a:rPr lang="en-US" altLang="ja-JP" dirty="0" err="1" smtClean="0">
+                  <a:solidFill>
+                    <a:schemeClr val="tx1"/>
+                  </a:solidFill>
+                </a:rPr>
+                <a:t>ItemProcessor</a:t>
+              </a:r>
+              <a:endParaRPr lang="ja-JP" altLang="en-US" dirty="0">
+                <a:solidFill>
+                  <a:schemeClr val="tx1"/>
+                </a:solidFill>
+              </a:endParaRPr>
+            </a:p>
+          </p:txBody>
+        </p:sp>
+        <p:sp>
+          <p:nvSpPr>
+            <p:cNvPr id="67" name="正方形/長方形 66"/>
+            <p:cNvSpPr/>
+            <p:nvPr/>
+          </p:nvSpPr>
+          <p:spPr>
+            <a:xfrm>
+              <a:off x="10106151" y="5571671"/>
+              <a:ext cx="1603948" cy="740997"/>
+            </a:xfrm>
+            <a:prstGeom prst="rect">
+              <a:avLst/>
+            </a:prstGeom>
+            <a:solidFill>
+              <a:srgbClr val="A3CC8F"/>
+            </a:solidFill>
+            <a:ln>
+              <a:solidFill>
+                <a:srgbClr val="70AD47"/>
+              </a:solidFill>
+            </a:ln>
+          </p:spPr>
+          <p:style>
+            <a:lnRef idx="2">
+              <a:schemeClr val="accent1">
+                <a:shade val="50000"/>
+              </a:schemeClr>
+            </a:lnRef>
+            <a:fillRef idx="1">
+              <a:schemeClr val="accent1"/>
+            </a:fillRef>
+            <a:effectRef idx="0">
+              <a:schemeClr val="accent1"/>
+            </a:effectRef>
+            <a:fontRef idx="minor">
+              <a:schemeClr val="lt1"/>
+            </a:fontRef>
+          </p:style>
+          <p:txBody>
+            <a:bodyPr rtlCol="0" anchor="ctr"/>
+            <a:lstStyle/>
+            <a:p>
+              <a:pPr algn="ctr"/>
+              <a:r>
+                <a:rPr lang="en-US" altLang="ja-JP" dirty="0" err="1" smtClean="0">
+                  <a:solidFill>
+                    <a:schemeClr val="tx1"/>
+                  </a:solidFill>
+                </a:rPr>
+                <a:t>ItemWriter</a:t>
+              </a:r>
+              <a:endParaRPr lang="ja-JP" altLang="en-US" dirty="0">
+                <a:solidFill>
+                  <a:schemeClr val="tx1"/>
+                </a:solidFill>
+              </a:endParaRPr>
+            </a:p>
+          </p:txBody>
+        </p:sp>
+      </p:grpSp>
+      <p:grpSp>
+        <p:nvGrpSpPr>
+          <p:cNvPr id="68" name="グループ化 67"/>
+          <p:cNvGrpSpPr/>
+          <p:nvPr/>
+        </p:nvGrpSpPr>
+        <p:grpSpPr>
+          <a:xfrm>
+            <a:off x="10582446" y="4309512"/>
+            <a:ext cx="1590039" cy="2055360"/>
+            <a:chOff x="10106151" y="3764353"/>
+            <a:chExt cx="1603948" cy="2548315"/>
+          </a:xfrm>
+        </p:grpSpPr>
+        <p:sp>
+          <p:nvSpPr>
+            <p:cNvPr id="72" name="正方形/長方形 71"/>
+            <p:cNvSpPr/>
+            <p:nvPr/>
+          </p:nvSpPr>
+          <p:spPr>
+            <a:xfrm>
+              <a:off x="10106151" y="3764353"/>
+              <a:ext cx="1603948" cy="740996"/>
+            </a:xfrm>
+            <a:prstGeom prst="rect">
+              <a:avLst/>
+            </a:prstGeom>
+            <a:solidFill>
+              <a:srgbClr val="A3CC8F"/>
+            </a:solidFill>
+            <a:ln>
+              <a:solidFill>
+                <a:srgbClr val="70AD47"/>
+              </a:solidFill>
+            </a:ln>
+          </p:spPr>
+          <p:style>
+            <a:lnRef idx="2">
+              <a:schemeClr val="accent1">
+                <a:shade val="50000"/>
+              </a:schemeClr>
+            </a:lnRef>
+            <a:fillRef idx="1">
+              <a:schemeClr val="accent1"/>
+            </a:fillRef>
+            <a:effectRef idx="0">
+              <a:schemeClr val="accent1"/>
+            </a:effectRef>
+            <a:fontRef idx="minor">
+              <a:schemeClr val="lt1"/>
+            </a:fontRef>
+          </p:style>
+          <p:txBody>
+            <a:bodyPr rtlCol="0" anchor="ctr"/>
+            <a:lstStyle/>
+            <a:p>
+              <a:pPr algn="ctr"/>
+              <a:r>
+                <a:rPr kumimoji="1" lang="en-US" altLang="ja-JP" dirty="0" err="1" smtClean="0">
+                  <a:solidFill>
+                    <a:schemeClr val="tx1"/>
+                  </a:solidFill>
+                </a:rPr>
+                <a:t>ItemReader</a:t>
+              </a:r>
+              <a:endParaRPr kumimoji="1" lang="ja-JP" altLang="en-US" dirty="0">
+                <a:solidFill>
+                  <a:schemeClr val="tx1"/>
+                </a:solidFill>
+              </a:endParaRPr>
+            </a:p>
+          </p:txBody>
+        </p:sp>
+        <p:sp>
+          <p:nvSpPr>
+            <p:cNvPr id="73" name="正方形/長方形 72"/>
+            <p:cNvSpPr/>
+            <p:nvPr/>
+          </p:nvSpPr>
+          <p:spPr>
+            <a:xfrm>
+              <a:off x="10106151" y="4670003"/>
+              <a:ext cx="1603948" cy="740996"/>
+            </a:xfrm>
+            <a:prstGeom prst="rect">
+              <a:avLst/>
+            </a:prstGeom>
+            <a:solidFill>
+              <a:srgbClr val="A3CC8F"/>
+            </a:solidFill>
+            <a:ln>
+              <a:solidFill>
+                <a:srgbClr val="70AD47"/>
+              </a:solidFill>
+            </a:ln>
+          </p:spPr>
+          <p:style>
+            <a:lnRef idx="2">
+              <a:schemeClr val="accent1">
+                <a:shade val="50000"/>
+              </a:schemeClr>
+            </a:lnRef>
+            <a:fillRef idx="1">
+              <a:schemeClr val="accent1"/>
+            </a:fillRef>
+            <a:effectRef idx="0">
+              <a:schemeClr val="accent1"/>
+            </a:effectRef>
+            <a:fontRef idx="minor">
+              <a:schemeClr val="lt1"/>
+            </a:fontRef>
+          </p:style>
+          <p:txBody>
+            <a:bodyPr rtlCol="0" anchor="ctr"/>
+            <a:lstStyle/>
+            <a:p>
+              <a:pPr algn="ctr"/>
+              <a:r>
+                <a:rPr lang="en-US" altLang="ja-JP" dirty="0" err="1" smtClean="0">
+                  <a:solidFill>
+                    <a:schemeClr val="tx1"/>
+                  </a:solidFill>
+                </a:rPr>
+                <a:t>ItemProcessor</a:t>
+              </a:r>
+              <a:endParaRPr lang="ja-JP" altLang="en-US" dirty="0">
+                <a:solidFill>
+                  <a:schemeClr val="tx1"/>
+                </a:solidFill>
+              </a:endParaRPr>
+            </a:p>
+          </p:txBody>
+        </p:sp>
+        <p:sp>
+          <p:nvSpPr>
+            <p:cNvPr id="74" name="正方形/長方形 73"/>
+            <p:cNvSpPr/>
+            <p:nvPr/>
+          </p:nvSpPr>
+          <p:spPr>
+            <a:xfrm>
+              <a:off x="10106151" y="5571671"/>
+              <a:ext cx="1603948" cy="740997"/>
+            </a:xfrm>
+            <a:prstGeom prst="rect">
+              <a:avLst/>
+            </a:prstGeom>
+            <a:solidFill>
+              <a:srgbClr val="A3CC8F"/>
+            </a:solidFill>
+            <a:ln>
+              <a:solidFill>
+                <a:srgbClr val="70AD47"/>
+              </a:solidFill>
+            </a:ln>
+          </p:spPr>
+          <p:style>
+            <a:lnRef idx="2">
+              <a:schemeClr val="accent1">
+                <a:shade val="50000"/>
+              </a:schemeClr>
+            </a:lnRef>
+            <a:fillRef idx="1">
+              <a:schemeClr val="accent1"/>
+            </a:fillRef>
+            <a:effectRef idx="0">
+              <a:schemeClr val="accent1"/>
+            </a:effectRef>
+            <a:fontRef idx="minor">
+              <a:schemeClr val="lt1"/>
+            </a:fontRef>
+          </p:style>
+          <p:txBody>
+            <a:bodyPr rtlCol="0" anchor="ctr"/>
+            <a:lstStyle/>
+            <a:p>
+              <a:pPr algn="ctr"/>
+              <a:r>
+                <a:rPr lang="en-US" altLang="ja-JP" dirty="0" err="1" smtClean="0">
+                  <a:solidFill>
+                    <a:schemeClr val="tx1"/>
+                  </a:solidFill>
+                </a:rPr>
+                <a:t>ItemWriter</a:t>
+              </a:r>
+              <a:endParaRPr lang="ja-JP" altLang="en-US" dirty="0">
+                <a:solidFill>
+                  <a:schemeClr val="tx1"/>
+                </a:solidFill>
+              </a:endParaRPr>
+            </a:p>
+          </p:txBody>
+        </p:sp>
+      </p:grpSp>
+      <p:sp>
+        <p:nvSpPr>
+          <p:cNvPr id="25" name="テキスト ボックス 24"/>
+          <p:cNvSpPr txBox="1"/>
+          <p:nvPr/>
+        </p:nvSpPr>
+        <p:spPr>
+          <a:xfrm>
+            <a:off x="5892135" y="2550140"/>
+            <a:ext cx="1300850" cy="369332"/>
+          </a:xfrm>
+          <a:prstGeom prst="rect">
+            <a:avLst/>
+          </a:prstGeom>
+          <a:noFill/>
+        </p:spPr>
+        <p:txBody>
+          <a:bodyPr wrap="square" rtlCol="0" anchor="ctr">
+            <a:spAutoFit/>
+          </a:bodyPr>
+          <a:lstStyle/>
+          <a:p>
+            <a:pPr algn="ctr"/>
+            <a:r>
+              <a:rPr kumimoji="1" lang="en-US" altLang="ja-JP" dirty="0" smtClean="0"/>
+              <a:t>3. execute</a:t>
+            </a:r>
+            <a:r>
+              <a:rPr kumimoji="1" lang="en-US" altLang="ja-JP" dirty="0"/>
+              <a:t>()</a:t>
+            </a:r>
+            <a:endParaRPr kumimoji="1" lang="ja-JP" altLang="en-US" dirty="0"/>
+          </a:p>
+        </p:txBody>
+      </p:sp>
+      <p:cxnSp>
+        <p:nvCxnSpPr>
+          <p:cNvPr id="133" name="直線コネクタ 132"/>
+          <p:cNvCxnSpPr/>
+          <p:nvPr/>
+        </p:nvCxnSpPr>
+        <p:spPr>
+          <a:xfrm>
+            <a:off x="8023709" y="2821249"/>
+            <a:ext cx="0" cy="182167"/>
+          </a:xfrm>
+          <a:prstGeom prst="line">
+            <a:avLst/>
+          </a:prstGeom>
+          <a:ln w="19050">
+            <a:solidFill>
+              <a:srgbClr val="FF0000"/>
+            </a:solidFill>
+          </a:ln>
+        </p:spPr>
+        <p:style>
+          <a:lnRef idx="1">
+            <a:schemeClr val="accent1"/>
+          </a:lnRef>
+          <a:fillRef idx="0">
+            <a:schemeClr val="accent1"/>
+          </a:fillRef>
+          <a:effectRef idx="0">
+            <a:schemeClr val="accent1"/>
+          </a:effectRef>
+          <a:fontRef idx="minor">
+            <a:schemeClr val="tx1"/>
+          </a:fontRef>
+        </p:style>
+      </p:cxnSp>
+      <p:sp>
+        <p:nvSpPr>
+          <p:cNvPr id="135" name="テキスト ボックス 134"/>
+          <p:cNvSpPr txBox="1"/>
+          <p:nvPr/>
+        </p:nvSpPr>
+        <p:spPr>
+          <a:xfrm>
+            <a:off x="2090182" y="3595294"/>
+            <a:ext cx="2093330" cy="369332"/>
+          </a:xfrm>
+          <a:prstGeom prst="rect">
+            <a:avLst/>
+          </a:prstGeom>
+          <a:noFill/>
+        </p:spPr>
+        <p:txBody>
+          <a:bodyPr wrap="square" rtlCol="0" anchor="ctr">
+            <a:spAutoFit/>
+          </a:bodyPr>
+          <a:lstStyle/>
+          <a:p>
+            <a:pPr algn="ctr"/>
+            <a:r>
+              <a:rPr lang="en-US" altLang="ja-JP" dirty="0">
+                <a:solidFill>
+                  <a:srgbClr val="FF0000"/>
+                </a:solidFill>
+              </a:rPr>
+              <a:t>2</a:t>
+            </a:r>
+            <a:r>
+              <a:rPr kumimoji="1" lang="en-US" altLang="ja-JP" dirty="0" smtClean="0">
+                <a:solidFill>
+                  <a:srgbClr val="FF0000"/>
+                </a:solidFill>
+              </a:rPr>
+              <a:t>. </a:t>
+            </a:r>
+            <a:r>
+              <a:rPr lang="en-US" altLang="ja-JP" dirty="0" smtClean="0"/>
+              <a:t>R</a:t>
+            </a:r>
+            <a:r>
+              <a:rPr kumimoji="1" lang="en-US" altLang="ja-JP" dirty="0" smtClean="0"/>
+              <a:t>egister Job Start</a:t>
+            </a:r>
+            <a:endParaRPr kumimoji="1" lang="ja-JP" altLang="en-US" dirty="0"/>
+          </a:p>
+        </p:txBody>
+      </p:sp>
+      <p:sp>
+        <p:nvSpPr>
+          <p:cNvPr id="136" name="テキスト ボックス 135"/>
+          <p:cNvSpPr txBox="1"/>
+          <p:nvPr/>
+        </p:nvSpPr>
+        <p:spPr>
+          <a:xfrm>
+            <a:off x="2110729" y="3191136"/>
+            <a:ext cx="2353918" cy="369332"/>
+          </a:xfrm>
+          <a:prstGeom prst="rect">
+            <a:avLst/>
+          </a:prstGeom>
+          <a:noFill/>
+        </p:spPr>
+        <p:txBody>
+          <a:bodyPr wrap="square" rtlCol="0" anchor="ctr">
+            <a:spAutoFit/>
+          </a:bodyPr>
+          <a:lstStyle/>
+          <a:p>
+            <a:pPr algn="ctr"/>
+            <a:r>
+              <a:rPr lang="en-US" altLang="ja-JP" dirty="0">
+                <a:solidFill>
+                  <a:srgbClr val="FF0000"/>
+                </a:solidFill>
+              </a:rPr>
+              <a:t>1. </a:t>
+            </a:r>
+            <a:r>
+              <a:rPr lang="en-US" altLang="ja-JP" dirty="0" smtClean="0"/>
+              <a:t>Register </a:t>
+            </a:r>
+            <a:r>
+              <a:rPr lang="en-US" altLang="ja-JP" dirty="0" err="1" smtClean="0"/>
+              <a:t>JobInstance</a:t>
+            </a:r>
+            <a:endParaRPr lang="en-US" altLang="ja-JP" dirty="0"/>
+          </a:p>
+        </p:txBody>
+      </p:sp>
+      <p:sp>
+        <p:nvSpPr>
+          <p:cNvPr id="137" name="テキスト ボックス 136"/>
+          <p:cNvSpPr txBox="1"/>
+          <p:nvPr/>
+        </p:nvSpPr>
+        <p:spPr>
+          <a:xfrm>
+            <a:off x="2107179" y="3997305"/>
+            <a:ext cx="1982594" cy="369332"/>
+          </a:xfrm>
+          <a:prstGeom prst="rect">
+            <a:avLst/>
+          </a:prstGeom>
+          <a:noFill/>
+        </p:spPr>
+        <p:txBody>
+          <a:bodyPr wrap="square" rtlCol="0" anchor="ctr">
+            <a:spAutoFit/>
+          </a:bodyPr>
+          <a:lstStyle/>
+          <a:p>
+            <a:pPr algn="ctr"/>
+            <a:r>
+              <a:rPr lang="en-US" altLang="ja-JP" dirty="0">
+                <a:solidFill>
+                  <a:srgbClr val="FF0000"/>
+                </a:solidFill>
+              </a:rPr>
+              <a:t>4</a:t>
+            </a:r>
+            <a:r>
+              <a:rPr kumimoji="1" lang="en-US" altLang="ja-JP" dirty="0" smtClean="0">
+                <a:solidFill>
+                  <a:srgbClr val="FF0000"/>
+                </a:solidFill>
+              </a:rPr>
+              <a:t>. </a:t>
+            </a:r>
+            <a:r>
+              <a:rPr lang="en-US" altLang="ja-JP" dirty="0" smtClean="0"/>
+              <a:t>Register Job End</a:t>
+            </a:r>
+            <a:endParaRPr kumimoji="1" lang="ja-JP" altLang="en-US" dirty="0"/>
+          </a:p>
+        </p:txBody>
+      </p:sp>
+      <p:sp>
+        <p:nvSpPr>
+          <p:cNvPr id="61" name="正方形/長方形 60"/>
+          <p:cNvSpPr/>
+          <p:nvPr/>
+        </p:nvSpPr>
+        <p:spPr>
+          <a:xfrm>
+            <a:off x="6028677" y="148100"/>
+            <a:ext cx="669330" cy="232751"/>
+          </a:xfrm>
+          <a:prstGeom prst="rect">
+            <a:avLst/>
+          </a:prstGeom>
+        </p:spPr>
+        <p:style>
+          <a:lnRef idx="1">
+            <a:schemeClr val="accent6"/>
+          </a:lnRef>
+          <a:fillRef idx="2">
+            <a:schemeClr val="accent6"/>
+          </a:fillRef>
+          <a:effectRef idx="1">
+            <a:schemeClr val="accent6"/>
+          </a:effectRef>
+          <a:fontRef idx="minor">
+            <a:schemeClr val="dk1"/>
+          </a:fontRef>
+        </p:style>
+        <p:txBody>
+          <a:bodyPr rtlCol="0" anchor="ctr"/>
+          <a:lstStyle/>
+          <a:p>
+            <a:pPr algn="ctr"/>
+            <a:endParaRPr kumimoji="1" lang="ja-JP" altLang="en-US" dirty="0"/>
+          </a:p>
+        </p:txBody>
+      </p:sp>
+      <p:sp>
+        <p:nvSpPr>
+          <p:cNvPr id="75" name="テキスト ボックス 74"/>
+          <p:cNvSpPr txBox="1"/>
+          <p:nvPr/>
+        </p:nvSpPr>
+        <p:spPr>
+          <a:xfrm>
+            <a:off x="6740538" y="97219"/>
+            <a:ext cx="955001" cy="338554"/>
+          </a:xfrm>
+          <a:prstGeom prst="rect">
+            <a:avLst/>
+          </a:prstGeom>
+          <a:noFill/>
+        </p:spPr>
+        <p:txBody>
+          <a:bodyPr wrap="square" rtlCol="0" anchor="t">
+            <a:spAutoFit/>
+          </a:bodyPr>
+          <a:lstStyle/>
+          <a:p>
+            <a:r>
+              <a:rPr kumimoji="1" lang="en-US" altLang="ja-JP" sz="1600" dirty="0" smtClean="0"/>
+              <a:t>Interface</a:t>
+            </a:r>
+            <a:endParaRPr kumimoji="1" lang="ja-JP" altLang="en-US" sz="1600" dirty="0"/>
+          </a:p>
+        </p:txBody>
+      </p:sp>
+      <p:sp>
+        <p:nvSpPr>
+          <p:cNvPr id="76" name="テキスト ボックス 75"/>
+          <p:cNvSpPr txBox="1"/>
+          <p:nvPr/>
+        </p:nvSpPr>
+        <p:spPr>
+          <a:xfrm>
+            <a:off x="6717905" y="482142"/>
+            <a:ext cx="913951" cy="349576"/>
+          </a:xfrm>
+          <a:prstGeom prst="rect">
+            <a:avLst/>
+          </a:prstGeom>
+          <a:noFill/>
+        </p:spPr>
+        <p:txBody>
+          <a:bodyPr wrap="square" rtlCol="0" anchor="t">
+            <a:spAutoFit/>
+          </a:bodyPr>
+          <a:lstStyle/>
+          <a:p>
+            <a:r>
+              <a:rPr lang="en-US" altLang="ja-JP" sz="1600" dirty="0" smtClean="0"/>
+              <a:t>Variable</a:t>
+            </a:r>
+            <a:endParaRPr kumimoji="1" lang="ja-JP" altLang="en-US" sz="1600" dirty="0"/>
+          </a:p>
+        </p:txBody>
+      </p:sp>
+      <p:sp>
+        <p:nvSpPr>
+          <p:cNvPr id="77" name="円/楕円 76"/>
+          <p:cNvSpPr/>
+          <p:nvPr/>
+        </p:nvSpPr>
+        <p:spPr>
+          <a:xfrm>
+            <a:off x="6033701" y="497866"/>
+            <a:ext cx="669330" cy="251902"/>
+          </a:xfrm>
+          <a:prstGeom prst="ellipse">
+            <a:avLst/>
+          </a:prstGeom>
+        </p:spPr>
+        <p:style>
+          <a:lnRef idx="1">
+            <a:schemeClr val="accent4"/>
+          </a:lnRef>
+          <a:fillRef idx="2">
+            <a:schemeClr val="accent4"/>
+          </a:fillRef>
+          <a:effectRef idx="1">
+            <a:schemeClr val="accent4"/>
+          </a:effectRef>
+          <a:fontRef idx="minor">
+            <a:schemeClr val="dk1"/>
+          </a:fontRef>
+        </p:style>
+        <p:txBody>
+          <a:bodyPr rtlCol="0" anchor="ctr"/>
+          <a:lstStyle/>
+          <a:p>
+            <a:pPr algn="ctr"/>
+            <a:endParaRPr kumimoji="1" lang="ja-JP" altLang="en-US" dirty="0"/>
           </a:p>
         </p:txBody>
       </p:sp>
@@ -6076,7 +6478,7 @@
         <p:spPr>
           <a:xfrm>
             <a:off x="272956" y="1105468"/>
-            <a:ext cx="10300047" cy="5651859"/>
+            <a:ext cx="10541347" cy="5651859"/>
           </a:xfrm>
           <a:prstGeom prst="rect">
             <a:avLst/>
@@ -6122,7 +6524,7 @@
         </p:nvSpPr>
         <p:spPr>
           <a:xfrm>
-            <a:off x="5972857" y="1262959"/>
+            <a:off x="6214157" y="1262959"/>
             <a:ext cx="4429928" cy="5410973"/>
           </a:xfrm>
           <a:prstGeom prst="rect">
@@ -6267,13 +6669,13 @@
         </p:spPr>
         <p:style>
           <a:lnRef idx="1">
-            <a:schemeClr val="accent6"/>
+            <a:schemeClr val="accent2"/>
           </a:lnRef>
           <a:fillRef idx="2">
-            <a:schemeClr val="accent6"/>
+            <a:schemeClr val="accent2"/>
           </a:fillRef>
           <a:effectRef idx="1">
-            <a:schemeClr val="accent6"/>
+            <a:schemeClr val="accent2"/>
           </a:effectRef>
           <a:fontRef idx="minor">
             <a:schemeClr val="dk1"/>
@@ -6357,7 +6759,7 @@
         </p:nvSpPr>
         <p:spPr>
           <a:xfrm>
-            <a:off x="6906145" y="2095678"/>
+            <a:off x="7147445" y="2095678"/>
             <a:ext cx="1603948" cy="725572"/>
           </a:xfrm>
           <a:prstGeom prst="rect">
@@ -6442,7 +6844,7 @@
         </p:nvSpPr>
         <p:spPr>
           <a:xfrm>
-            <a:off x="3061644" y="2543430"/>
+            <a:off x="3036244" y="2505330"/>
             <a:ext cx="1158792" cy="369332"/>
           </a:xfrm>
           <a:prstGeom prst="rect">
@@ -6458,8 +6860,12 @@
           <a:p>
             <a:pPr algn="ctr"/>
             <a:r>
+              <a:rPr kumimoji="1" lang="en-US" altLang="ja-JP" dirty="0" smtClean="0"/>
+              <a:t>2. run</a:t>
+            </a:r>
+            <a:r>
               <a:rPr kumimoji="1" lang="en-US" altLang="ja-JP" dirty="0"/>
-              <a:t>run()</a:t>
+              <a:t>()</a:t>
             </a:r>
             <a:endParaRPr kumimoji="1" lang="ja-JP" altLang="en-US" dirty="0"/>
           </a:p>
@@ -6513,7 +6919,7 @@
         <p:spPr>
           <a:xfrm>
             <a:off x="5768080" y="2458464"/>
-            <a:ext cx="1138065" cy="0"/>
+            <a:ext cx="1379365" cy="0"/>
           </a:xfrm>
           <a:prstGeom prst="straightConnector1">
             <a:avLst/>
@@ -6545,8 +6951,8 @@
         </p:nvSpPr>
         <p:spPr>
           <a:xfrm>
-            <a:off x="5892135" y="2575540"/>
-            <a:ext cx="1158792" cy="369332"/>
+            <a:off x="5804687" y="2507117"/>
+            <a:ext cx="1282848" cy="369332"/>
           </a:xfrm>
           <a:prstGeom prst="rect">
             <a:avLst/>
@@ -6561,8 +6967,16 @@
           <a:p>
             <a:pPr algn="ctr"/>
             <a:r>
+              <a:rPr lang="en-US" altLang="ja-JP" dirty="0" smtClean="0"/>
+              <a:t>6</a:t>
+            </a:r>
+            <a:r>
+              <a:rPr kumimoji="1" lang="en-US" altLang="ja-JP" dirty="0" smtClean="0"/>
+              <a:t>. execute</a:t>
+            </a:r>
+            <a:r>
               <a:rPr kumimoji="1" lang="en-US" altLang="ja-JP" dirty="0"/>
-              <a:t>execute()</a:t>
+              <a:t>()</a:t>
             </a:r>
             <a:endParaRPr kumimoji="1" lang="ja-JP" altLang="en-US" dirty="0"/>
           </a:p>
@@ -6576,7 +6990,7 @@
         </p:nvSpPr>
         <p:spPr>
           <a:xfrm>
-            <a:off x="9414211" y="2273009"/>
+            <a:off x="9655511" y="2273009"/>
             <a:ext cx="1158792" cy="369332"/>
           </a:xfrm>
           <a:prstGeom prst="rect">
@@ -6606,7 +7020,7 @@
         </p:nvSpPr>
         <p:spPr>
           <a:xfrm>
-            <a:off x="7708119" y="2969970"/>
+            <a:off x="7949419" y="2969970"/>
             <a:ext cx="1415259" cy="369332"/>
           </a:xfrm>
           <a:prstGeom prst="rect">
@@ -6651,8 +7065,12 @@
           <a:lstStyle/>
           <a:p>
             <a:r>
-              <a:rPr kumimoji="1" lang="en-US" altLang="ja-JP" dirty="0"/>
-              <a:t>create</a:t>
+              <a:rPr lang="en-US" altLang="ja-JP" dirty="0"/>
+              <a:t>4</a:t>
+            </a:r>
+            <a:r>
+              <a:rPr kumimoji="1" lang="en-US" altLang="ja-JP" dirty="0" smtClean="0"/>
+              <a:t>. Create</a:t>
             </a:r>
             <a:endParaRPr kumimoji="1" lang="ja-JP" altLang="en-US" dirty="0"/>
           </a:p>
@@ -6666,7 +7084,7 @@
         </p:nvSpPr>
         <p:spPr>
           <a:xfrm>
-            <a:off x="6753996" y="4788108"/>
+            <a:off x="6995296" y="4788108"/>
             <a:ext cx="1908247" cy="767318"/>
           </a:xfrm>
           <a:prstGeom prst="ellipse">
@@ -6731,7 +7149,11 @@
           <a:p>
             <a:r>
               <a:rPr lang="en-US" altLang="ja-JP" dirty="0"/>
-              <a:t>register</a:t>
+              <a:t>5</a:t>
+            </a:r>
+            <a:r>
+              <a:rPr lang="en-US" altLang="ja-JP" dirty="0" smtClean="0"/>
+              <a:t>. Register</a:t>
             </a:r>
             <a:endParaRPr kumimoji="1" lang="ja-JP" altLang="en-US" dirty="0"/>
           </a:p>
@@ -6745,7 +7167,7 @@
         </p:nvSpPr>
         <p:spPr>
           <a:xfrm>
-            <a:off x="6753996" y="5747710"/>
+            <a:off x="6995296" y="5747710"/>
             <a:ext cx="1908247" cy="767318"/>
           </a:xfrm>
           <a:prstGeom prst="ellipse">
@@ -6821,7 +7243,19 @@
           <a:p>
             <a:pPr algn="ctr"/>
             <a:r>
-              <a:rPr lang="en-US" altLang="ja-JP" dirty="0" err="1"/>
+              <a:rPr lang="en-US" altLang="ja-JP" i="1" dirty="0"/>
+              <a:t>&lt;&lt;interface</a:t>
+            </a:r>
+            <a:r>
+              <a:rPr lang="en-US" altLang="ja-JP" i="1" dirty="0" smtClean="0"/>
+              <a:t>&gt;&gt;</a:t>
+            </a:r>
+            <a:endParaRPr lang="en-US" altLang="ja-JP" dirty="0" smtClean="0"/>
+          </a:p>
+          <a:p>
+            <a:pPr algn="ctr"/>
+            <a:r>
+              <a:rPr lang="en-US" altLang="ja-JP" dirty="0" err="1" smtClean="0"/>
               <a:t>JobRepository</a:t>
             </a:r>
             <a:endParaRPr kumimoji="1" lang="ja-JP" altLang="en-US" dirty="0"/>
@@ -6920,8 +7354,8 @@
         </p:nvSpPr>
         <p:spPr>
           <a:xfrm>
-            <a:off x="1238087" y="3514688"/>
-            <a:ext cx="3266807" cy="369332"/>
+            <a:off x="1149187" y="3514688"/>
+            <a:ext cx="3322706" cy="369332"/>
           </a:xfrm>
           <a:prstGeom prst="rect">
             <a:avLst/>
@@ -6936,8 +7370,16 @@
           <a:p>
             <a:pPr algn="ctr"/>
             <a:r>
+              <a:rPr lang="en-US" altLang="ja-JP" dirty="0" smtClean="0"/>
+              <a:t>3. Retrieve </a:t>
+            </a:r>
+            <a:r>
               <a:rPr lang="en-US" altLang="ja-JP" dirty="0"/>
-              <a:t>retrieve the final </a:t>
+              <a:t>the </a:t>
+            </a:r>
+            <a:r>
+              <a:rPr lang="en-US" altLang="ja-JP" dirty="0" smtClean="0"/>
+              <a:t>final </a:t>
             </a:r>
             <a:r>
               <a:rPr lang="en-US" altLang="ja-JP" dirty="0" err="1"/>
@@ -7004,8 +7446,8 @@
         </p:nvCxnSpPr>
         <p:spPr>
           <a:xfrm rot="16200000" flipH="1">
-            <a:off x="4895883" y="2891472"/>
-            <a:ext cx="1147196" cy="1006751"/>
+            <a:off x="5016533" y="2770822"/>
+            <a:ext cx="1147196" cy="1248051"/>
           </a:xfrm>
           <a:prstGeom prst="bentConnector2">
             <a:avLst/>
@@ -7044,8 +7486,8 @@
         </p:nvCxnSpPr>
         <p:spPr>
           <a:xfrm rot="16200000" flipH="1">
-            <a:off x="4684793" y="3102563"/>
-            <a:ext cx="2350517" cy="1787890"/>
+            <a:off x="4805443" y="2981913"/>
+            <a:ext cx="2350517" cy="2029190"/>
           </a:xfrm>
           <a:prstGeom prst="bentConnector2">
             <a:avLst/>
@@ -7084,8 +7526,8 @@
         </p:nvCxnSpPr>
         <p:spPr>
           <a:xfrm rot="16200000" flipH="1">
-            <a:off x="4204992" y="3582364"/>
-            <a:ext cx="3310119" cy="1787890"/>
+            <a:off x="4325642" y="3461714"/>
+            <a:ext cx="3310119" cy="2029190"/>
           </a:xfrm>
           <a:prstGeom prst="bentConnector2">
             <a:avLst/>
@@ -7121,7 +7563,7 @@
         </p:nvSpPr>
         <p:spPr>
           <a:xfrm>
-            <a:off x="6906145" y="3497035"/>
+            <a:off x="7147445" y="3497035"/>
             <a:ext cx="1603948" cy="725572"/>
           </a:xfrm>
           <a:prstGeom prst="rect">
@@ -7166,7 +7608,7 @@
         </p:nvCxnSpPr>
         <p:spPr>
           <a:xfrm flipV="1">
-            <a:off x="7708119" y="2821250"/>
+            <a:off x="7949419" y="2821250"/>
             <a:ext cx="0" cy="675785"/>
           </a:xfrm>
           <a:prstGeom prst="straightConnector1">
@@ -7203,7 +7645,7 @@
         </p:nvCxnSpPr>
         <p:spPr>
           <a:xfrm flipV="1">
-            <a:off x="8510093" y="2457675"/>
+            <a:off x="8751393" y="2457675"/>
             <a:ext cx="904118" cy="789"/>
           </a:xfrm>
           <a:prstGeom prst="straightConnector1">
@@ -7253,7 +7695,11 @@
           <a:p>
             <a:r>
               <a:rPr lang="en-US" altLang="ja-JP" dirty="0"/>
-              <a:t>register</a:t>
+              <a:t>5</a:t>
+            </a:r>
+            <a:r>
+              <a:rPr lang="en-US" altLang="ja-JP" dirty="0" smtClean="0"/>
+              <a:t>. Register</a:t>
             </a:r>
             <a:endParaRPr kumimoji="1" lang="ja-JP" altLang="en-US" dirty="0"/>
           </a:p>
@@ -7267,7 +7713,7 @@
         </p:nvSpPr>
         <p:spPr>
           <a:xfrm>
-            <a:off x="7964288" y="4058367"/>
+            <a:off x="8205588" y="4058367"/>
             <a:ext cx="2438497" cy="338554"/>
           </a:xfrm>
           <a:prstGeom prst="rect">
@@ -7311,7 +7757,7 @@
         </p:nvSpPr>
         <p:spPr>
           <a:xfrm>
-            <a:off x="8240324" y="5697352"/>
+            <a:off x="8481624" y="5697352"/>
             <a:ext cx="916206" cy="338554"/>
           </a:xfrm>
           <a:prstGeom prst="rect">
@@ -7355,7 +7801,7 @@
         </p:nvSpPr>
         <p:spPr>
           <a:xfrm>
-            <a:off x="8243734" y="6106190"/>
+            <a:off x="8485034" y="6106190"/>
             <a:ext cx="916206" cy="338554"/>
           </a:xfrm>
           <a:prstGeom prst="rect">
@@ -7433,8 +7879,8 @@
           </a:p>
           <a:p>
             <a:r>
-              <a:rPr lang="en-US" altLang="ja-JP" sz="1600" dirty="0" err="1"/>
-              <a:t>JOB_NAME:exampeJob</a:t>
+              <a:rPr lang="en-US" altLang="ja-JP" sz="1600" dirty="0" err="1" smtClean="0"/>
+              <a:t>JOB_NAME:exampleJob</a:t>
             </a:r>
             <a:endParaRPr lang="en-US" altLang="ja-JP" sz="1600" dirty="0"/>
           </a:p>
@@ -7555,15 +8001,12 @@
       <p:cxnSp>
         <p:nvCxnSpPr>
           <p:cNvPr id="110" name="カギ線コネクタ 16"/>
-          <p:cNvCxnSpPr>
-            <a:stCxn id="107" idx="3"/>
-            <a:endCxn id="108" idx="1"/>
-          </p:cNvCxnSpPr>
+          <p:cNvCxnSpPr/>
           <p:nvPr/>
         </p:nvCxnSpPr>
         <p:spPr>
           <a:xfrm flipV="1">
-            <a:off x="5617172" y="7677732"/>
+            <a:off x="5621029" y="7677732"/>
             <a:ext cx="642538" cy="1"/>
           </a:xfrm>
           <a:prstGeom prst="straightConnector1">
@@ -7747,15 +8190,12 @@
       <p:cxnSp>
         <p:nvCxnSpPr>
           <p:cNvPr id="118" name="カギ線コネクタ 16"/>
-          <p:cNvCxnSpPr>
-            <a:stCxn id="108" idx="3"/>
-            <a:endCxn id="116" idx="1"/>
-          </p:cNvCxnSpPr>
+          <p:cNvCxnSpPr/>
           <p:nvPr/>
         </p:nvCxnSpPr>
         <p:spPr>
           <a:xfrm>
-            <a:off x="8633857" y="7677732"/>
+            <a:off x="8620616" y="7687839"/>
             <a:ext cx="489521" cy="0"/>
           </a:xfrm>
           <a:prstGeom prst="straightConnector1">
@@ -7879,6 +8319,321 @@
           <a:p>
             <a:pPr algn="ctr"/>
             <a:endParaRPr kumimoji="1" lang="ja-JP" altLang="en-US"/>
+          </a:p>
+        </p:txBody>
+      </p:sp>
+      <p:sp>
+        <p:nvSpPr>
+          <p:cNvPr id="47" name="テキスト ボックス 46"/>
+          <p:cNvSpPr txBox="1"/>
+          <p:nvPr/>
+        </p:nvSpPr>
+        <p:spPr>
+          <a:xfrm>
+            <a:off x="396060" y="2505330"/>
+            <a:ext cx="1158792" cy="369332"/>
+          </a:xfrm>
+          <a:prstGeom prst="rect">
+            <a:avLst/>
+          </a:prstGeom>
+          <a:noFill/>
+        </p:spPr>
+        <p:txBody>
+          <a:bodyPr wrap="square" rtlCol="0" anchor="ctr">
+            <a:spAutoFit/>
+          </a:bodyPr>
+          <a:lstStyle/>
+          <a:p>
+            <a:pPr algn="ctr"/>
+            <a:r>
+              <a:rPr lang="en-US" altLang="ja-JP" dirty="0"/>
+              <a:t>1</a:t>
+            </a:r>
+            <a:r>
+              <a:rPr kumimoji="1" lang="en-US" altLang="ja-JP" dirty="0" smtClean="0"/>
+              <a:t>.</a:t>
+            </a:r>
+            <a:r>
+              <a:rPr lang="ja-JP" altLang="en-US" dirty="0"/>
+              <a:t> </a:t>
+            </a:r>
+            <a:r>
+              <a:rPr lang="en-US" altLang="ja-JP" dirty="0" smtClean="0"/>
+              <a:t>main()</a:t>
+            </a:r>
+            <a:endParaRPr kumimoji="1" lang="ja-JP" altLang="en-US" dirty="0"/>
+          </a:p>
+        </p:txBody>
+      </p:sp>
+      <p:sp>
+        <p:nvSpPr>
+          <p:cNvPr id="48" name="正方形/長方形 47"/>
+          <p:cNvSpPr/>
+          <p:nvPr/>
+        </p:nvSpPr>
+        <p:spPr>
+          <a:xfrm>
+            <a:off x="6696333" y="148100"/>
+            <a:ext cx="669330" cy="232751"/>
+          </a:xfrm>
+          <a:prstGeom prst="rect">
+            <a:avLst/>
+          </a:prstGeom>
+        </p:spPr>
+        <p:style>
+          <a:lnRef idx="1">
+            <a:schemeClr val="accent6"/>
+          </a:lnRef>
+          <a:fillRef idx="2">
+            <a:schemeClr val="accent6"/>
+          </a:fillRef>
+          <a:effectRef idx="1">
+            <a:schemeClr val="accent6"/>
+          </a:effectRef>
+          <a:fontRef idx="minor">
+            <a:schemeClr val="dk1"/>
+          </a:fontRef>
+        </p:style>
+        <p:txBody>
+          <a:bodyPr rtlCol="0" anchor="ctr"/>
+          <a:lstStyle/>
+          <a:p>
+            <a:pPr algn="ctr"/>
+            <a:endParaRPr kumimoji="1" lang="ja-JP" altLang="en-US" dirty="0"/>
+          </a:p>
+        </p:txBody>
+      </p:sp>
+      <p:sp>
+        <p:nvSpPr>
+          <p:cNvPr id="49" name="テキスト ボックス 48"/>
+          <p:cNvSpPr txBox="1"/>
+          <p:nvPr/>
+        </p:nvSpPr>
+        <p:spPr>
+          <a:xfrm>
+            <a:off x="7408194" y="97219"/>
+            <a:ext cx="955001" cy="338554"/>
+          </a:xfrm>
+          <a:prstGeom prst="rect">
+            <a:avLst/>
+          </a:prstGeom>
+          <a:noFill/>
+        </p:spPr>
+        <p:txBody>
+          <a:bodyPr wrap="square" rtlCol="0" anchor="t">
+            <a:spAutoFit/>
+          </a:bodyPr>
+          <a:lstStyle/>
+          <a:p>
+            <a:r>
+              <a:rPr kumimoji="1" lang="en-US" altLang="ja-JP" sz="1600" dirty="0" smtClean="0"/>
+              <a:t>Interface</a:t>
+            </a:r>
+            <a:endParaRPr kumimoji="1" lang="ja-JP" altLang="en-US" sz="1600" dirty="0"/>
+          </a:p>
+        </p:txBody>
+      </p:sp>
+      <p:sp>
+        <p:nvSpPr>
+          <p:cNvPr id="50" name="テキスト ボックス 49"/>
+          <p:cNvSpPr txBox="1"/>
+          <p:nvPr/>
+        </p:nvSpPr>
+        <p:spPr>
+          <a:xfrm>
+            <a:off x="7385561" y="482142"/>
+            <a:ext cx="1763719" cy="338554"/>
+          </a:xfrm>
+          <a:prstGeom prst="rect">
+            <a:avLst/>
+          </a:prstGeom>
+          <a:noFill/>
+        </p:spPr>
+        <p:txBody>
+          <a:bodyPr wrap="square" rtlCol="0" anchor="t">
+            <a:spAutoFit/>
+          </a:bodyPr>
+          <a:lstStyle/>
+          <a:p>
+            <a:r>
+              <a:rPr lang="en-US" altLang="ja-JP" sz="1600" dirty="0" smtClean="0"/>
+              <a:t>Implemented Class</a:t>
+            </a:r>
+            <a:endParaRPr lang="ja-JP" altLang="en-US" sz="1600" dirty="0"/>
+          </a:p>
+        </p:txBody>
+      </p:sp>
+      <p:sp>
+        <p:nvSpPr>
+          <p:cNvPr id="51" name="円/楕円 50"/>
+          <p:cNvSpPr/>
+          <p:nvPr/>
+        </p:nvSpPr>
+        <p:spPr>
+          <a:xfrm>
+            <a:off x="9206999" y="510244"/>
+            <a:ext cx="669330" cy="251902"/>
+          </a:xfrm>
+          <a:prstGeom prst="ellipse">
+            <a:avLst/>
+          </a:prstGeom>
+        </p:spPr>
+        <p:style>
+          <a:lnRef idx="1">
+            <a:schemeClr val="accent4"/>
+          </a:lnRef>
+          <a:fillRef idx="2">
+            <a:schemeClr val="accent4"/>
+          </a:fillRef>
+          <a:effectRef idx="1">
+            <a:schemeClr val="accent4"/>
+          </a:effectRef>
+          <a:fontRef idx="minor">
+            <a:schemeClr val="dk1"/>
+          </a:fontRef>
+        </p:style>
+        <p:txBody>
+          <a:bodyPr rtlCol="0" anchor="ctr"/>
+          <a:lstStyle/>
+          <a:p>
+            <a:pPr algn="ctr"/>
+            <a:endParaRPr kumimoji="1" lang="ja-JP" altLang="en-US" dirty="0"/>
+          </a:p>
+        </p:txBody>
+      </p:sp>
+      <p:sp>
+        <p:nvSpPr>
+          <p:cNvPr id="53" name="正方形/長方形 52"/>
+          <p:cNvSpPr/>
+          <p:nvPr/>
+        </p:nvSpPr>
+        <p:spPr>
+          <a:xfrm>
+            <a:off x="9208148" y="163155"/>
+            <a:ext cx="669330" cy="232751"/>
+          </a:xfrm>
+          <a:prstGeom prst="rect">
+            <a:avLst/>
+          </a:prstGeom>
+        </p:spPr>
+        <p:style>
+          <a:lnRef idx="1">
+            <a:schemeClr val="accent2"/>
+          </a:lnRef>
+          <a:fillRef idx="2">
+            <a:schemeClr val="accent2"/>
+          </a:fillRef>
+          <a:effectRef idx="1">
+            <a:schemeClr val="accent2"/>
+          </a:effectRef>
+          <a:fontRef idx="minor">
+            <a:schemeClr val="dk1"/>
+          </a:fontRef>
+        </p:style>
+        <p:txBody>
+          <a:bodyPr rtlCol="0" anchor="ctr"/>
+          <a:lstStyle/>
+          <a:p>
+            <a:pPr algn="ctr"/>
+            <a:endParaRPr kumimoji="1" lang="ja-JP" altLang="en-US" dirty="0"/>
+          </a:p>
+        </p:txBody>
+      </p:sp>
+      <p:sp>
+        <p:nvSpPr>
+          <p:cNvPr id="54" name="正方形/長方形 53"/>
+          <p:cNvSpPr/>
+          <p:nvPr/>
+        </p:nvSpPr>
+        <p:spPr>
+          <a:xfrm>
+            <a:off x="6696333" y="523266"/>
+            <a:ext cx="669330" cy="232751"/>
+          </a:xfrm>
+          <a:prstGeom prst="rect">
+            <a:avLst/>
+          </a:prstGeom>
+        </p:spPr>
+        <p:style>
+          <a:lnRef idx="1">
+            <a:schemeClr val="accent5"/>
+          </a:lnRef>
+          <a:fillRef idx="2">
+            <a:schemeClr val="accent5"/>
+          </a:fillRef>
+          <a:effectRef idx="1">
+            <a:schemeClr val="accent5"/>
+          </a:effectRef>
+          <a:fontRef idx="minor">
+            <a:schemeClr val="dk1"/>
+          </a:fontRef>
+        </p:style>
+        <p:txBody>
+          <a:bodyPr rtlCol="0" anchor="ctr"/>
+          <a:lstStyle/>
+          <a:p>
+            <a:pPr algn="ctr"/>
+            <a:endParaRPr kumimoji="1" lang="ja-JP" altLang="en-US" dirty="0"/>
+          </a:p>
+        </p:txBody>
+      </p:sp>
+      <p:sp>
+        <p:nvSpPr>
+          <p:cNvPr id="56" name="テキスト ボックス 55"/>
+          <p:cNvSpPr txBox="1"/>
+          <p:nvPr/>
+        </p:nvSpPr>
+        <p:spPr>
+          <a:xfrm>
+            <a:off x="9877478" y="482842"/>
+            <a:ext cx="913951" cy="349576"/>
+          </a:xfrm>
+          <a:prstGeom prst="rect">
+            <a:avLst/>
+          </a:prstGeom>
+          <a:noFill/>
+        </p:spPr>
+        <p:txBody>
+          <a:bodyPr wrap="square" rtlCol="0" anchor="t">
+            <a:spAutoFit/>
+          </a:bodyPr>
+          <a:lstStyle/>
+          <a:p>
+            <a:r>
+              <a:rPr lang="en-US" altLang="ja-JP" sz="1600" dirty="0" smtClean="0"/>
+              <a:t>Variable</a:t>
+            </a:r>
+            <a:endParaRPr kumimoji="1" lang="ja-JP" altLang="en-US" sz="1600" dirty="0"/>
+          </a:p>
+        </p:txBody>
+      </p:sp>
+      <p:sp>
+        <p:nvSpPr>
+          <p:cNvPr id="57" name="テキスト ボックス 56"/>
+          <p:cNvSpPr txBox="1"/>
+          <p:nvPr/>
+        </p:nvSpPr>
+        <p:spPr>
+          <a:xfrm>
+            <a:off x="9899308" y="113432"/>
+            <a:ext cx="913951" cy="349576"/>
+          </a:xfrm>
+          <a:prstGeom prst="rect">
+            <a:avLst/>
+          </a:prstGeom>
+          <a:noFill/>
+        </p:spPr>
+        <p:txBody>
+          <a:bodyPr wrap="square" rtlCol="0" anchor="t">
+            <a:spAutoFit/>
+          </a:bodyPr>
+          <a:lstStyle/>
+          <a:p>
+            <a:r>
+              <a:rPr lang="en-US" altLang="ja-JP" sz="1600" dirty="0" smtClean="0"/>
+              <a:t>Class</a:t>
+            </a:r>
+            <a:endParaRPr kumimoji="1" lang="ja-JP" altLang="en-US" sz="1600" dirty="0"/>
           </a:p>
         </p:txBody>
       </p:sp>
@@ -7920,7 +8675,7 @@
         </p:nvSpPr>
         <p:spPr>
           <a:xfrm>
-            <a:off x="531061" y="69780"/>
+            <a:off x="531061" y="1013202"/>
             <a:ext cx="11545710" cy="6788220"/>
           </a:xfrm>
           <a:prstGeom prst="rect">
@@ -7976,8 +8731,8 @@
         </p:nvSpPr>
         <p:spPr>
           <a:xfrm>
-            <a:off x="3912350" y="178419"/>
-            <a:ext cx="7999282" cy="6590371"/>
+            <a:off x="3854293" y="1121841"/>
+            <a:ext cx="8137681" cy="6590371"/>
           </a:xfrm>
           <a:prstGeom prst="rect">
             <a:avLst/>
@@ -8032,7 +8787,7 @@
         </p:nvSpPr>
         <p:spPr>
           <a:xfrm>
-            <a:off x="1464349" y="871977"/>
+            <a:off x="1333723" y="1815399"/>
             <a:ext cx="1603948" cy="725572"/>
           </a:xfrm>
           <a:prstGeom prst="rect">
@@ -8081,8 +8836,8 @@
         </p:nvSpPr>
         <p:spPr>
           <a:xfrm>
-            <a:off x="452841" y="1321522"/>
-            <a:ext cx="1158792" cy="369332"/>
+            <a:off x="55984" y="2252244"/>
+            <a:ext cx="1301649" cy="369332"/>
           </a:xfrm>
           <a:prstGeom prst="rect">
             <a:avLst/>
@@ -8097,8 +8852,12 @@
           <a:p>
             <a:pPr algn="ctr"/>
             <a:r>
+              <a:rPr kumimoji="1" lang="en-US" altLang="ja-JP" dirty="0" smtClean="0"/>
+              <a:t>execute</a:t>
+            </a:r>
+            <a:r>
               <a:rPr kumimoji="1" lang="en-US" altLang="ja-JP" dirty="0"/>
-              <a:t>execute()</a:t>
+              <a:t>()</a:t>
             </a:r>
             <a:endParaRPr kumimoji="1" lang="ja-JP" altLang="en-US" dirty="0"/>
           </a:p>
@@ -8112,7 +8871,7 @@
         </p:nvSpPr>
         <p:spPr>
           <a:xfrm>
-            <a:off x="5075427" y="1839691"/>
+            <a:off x="5017371" y="2783113"/>
             <a:ext cx="1415259" cy="369332"/>
           </a:xfrm>
           <a:prstGeom prst="rect">
@@ -8142,7 +8901,7 @@
         </p:nvSpPr>
         <p:spPr>
           <a:xfrm>
-            <a:off x="1312200" y="4788110"/>
+            <a:off x="1181574" y="5731532"/>
             <a:ext cx="1908247" cy="767318"/>
           </a:xfrm>
           <a:prstGeom prst="ellipse">
@@ -8191,7 +8950,7 @@
         </p:nvSpPr>
         <p:spPr>
           <a:xfrm>
-            <a:off x="1312200" y="5747712"/>
+            <a:off x="1181574" y="6691134"/>
             <a:ext cx="1908247" cy="767318"/>
           </a:xfrm>
           <a:prstGeom prst="ellipse">
@@ -8240,7 +8999,7 @@
         </p:nvSpPr>
         <p:spPr>
           <a:xfrm>
-            <a:off x="4320313" y="2287604"/>
+            <a:off x="4262257" y="3231026"/>
             <a:ext cx="1603948" cy="725572"/>
           </a:xfrm>
           <a:prstGeom prst="rect">
@@ -8286,7 +9045,7 @@
         </p:nvCxnSpPr>
         <p:spPr>
           <a:xfrm flipV="1">
-            <a:off x="5122287" y="1597549"/>
+            <a:off x="5064231" y="2540971"/>
             <a:ext cx="0" cy="690055"/>
           </a:xfrm>
           <a:prstGeom prst="straightConnector1">
@@ -8324,8 +9083,8 @@
         </p:nvCxnSpPr>
         <p:spPr>
           <a:xfrm>
-            <a:off x="81505" y="1234763"/>
-            <a:ext cx="1382844" cy="0"/>
+            <a:off x="81505" y="2178185"/>
+            <a:ext cx="1252218" cy="0"/>
           </a:xfrm>
           <a:prstGeom prst="straightConnector1">
             <a:avLst/>
@@ -8358,7 +9117,7 @@
         </p:nvSpPr>
         <p:spPr>
           <a:xfrm>
-            <a:off x="2798528" y="5697354"/>
+            <a:off x="2667902" y="6640776"/>
             <a:ext cx="916206" cy="338554"/>
           </a:xfrm>
           <a:prstGeom prst="rect">
@@ -8402,7 +9161,7 @@
         </p:nvSpPr>
         <p:spPr>
           <a:xfrm>
-            <a:off x="2801938" y="6106192"/>
+            <a:off x="2671312" y="7049614"/>
             <a:ext cx="916206" cy="338554"/>
           </a:xfrm>
           <a:prstGeom prst="rect">
@@ -8442,7 +9201,7 @@
         </p:nvSpPr>
         <p:spPr>
           <a:xfrm>
-            <a:off x="81505" y="1122757"/>
+            <a:off x="81505" y="2066179"/>
             <a:ext cx="198616" cy="224012"/>
           </a:xfrm>
           <a:prstGeom prst="rect">
@@ -8487,7 +9246,7 @@
         </p:nvSpPr>
         <p:spPr>
           <a:xfrm>
-            <a:off x="4051683" y="3903447"/>
+            <a:off x="4126977" y="4846869"/>
             <a:ext cx="1908247" cy="767318"/>
           </a:xfrm>
           <a:prstGeom prst="ellipse">
@@ -8536,7 +9295,7 @@
         </p:nvSpPr>
         <p:spPr>
           <a:xfrm>
-            <a:off x="4320313" y="871977"/>
+            <a:off x="4262257" y="1815399"/>
             <a:ext cx="1603948" cy="725572"/>
           </a:xfrm>
           <a:prstGeom prst="rect">
@@ -8589,8 +9348,8 @@
         </p:nvCxnSpPr>
         <p:spPr>
           <a:xfrm>
-            <a:off x="3068297" y="1234763"/>
-            <a:ext cx="1252016" cy="0"/>
+            <a:off x="2937671" y="2178185"/>
+            <a:ext cx="1324586" cy="0"/>
           </a:xfrm>
           <a:prstGeom prst="straightConnector1">
             <a:avLst/>
@@ -8622,7 +9381,7 @@
         </p:nvSpPr>
         <p:spPr>
           <a:xfrm>
-            <a:off x="7122107" y="2287604"/>
+            <a:off x="7209191" y="3231026"/>
             <a:ext cx="1603948" cy="725572"/>
           </a:xfrm>
           <a:prstGeom prst="rect">
@@ -8675,8 +9434,8 @@
         </p:nvCxnSpPr>
         <p:spPr>
           <a:xfrm>
-            <a:off x="5924261" y="2650390"/>
-            <a:ext cx="1197846" cy="0"/>
+            <a:off x="5866205" y="3593812"/>
+            <a:ext cx="1342986" cy="0"/>
           </a:xfrm>
           <a:prstGeom prst="straightConnector1">
             <a:avLst/>
@@ -8708,8 +9467,8 @@
         </p:nvSpPr>
         <p:spPr>
           <a:xfrm>
-            <a:off x="3124024" y="1321522"/>
-            <a:ext cx="1158792" cy="369332"/>
+            <a:off x="2978884" y="2264944"/>
+            <a:ext cx="1312036" cy="369332"/>
           </a:xfrm>
           <a:prstGeom prst="rect">
             <a:avLst/>
@@ -8724,8 +9483,16 @@
           <a:p>
             <a:pPr algn="ctr"/>
             <a:r>
+              <a:rPr lang="en-US" altLang="ja-JP" dirty="0"/>
+              <a:t>3</a:t>
+            </a:r>
+            <a:r>
+              <a:rPr kumimoji="1" lang="en-US" altLang="ja-JP" dirty="0" smtClean="0"/>
+              <a:t>. execute</a:t>
+            </a:r>
+            <a:r>
               <a:rPr kumimoji="1" lang="en-US" altLang="ja-JP" dirty="0"/>
-              <a:t>execute()</a:t>
+              <a:t>()</a:t>
             </a:r>
             <a:endParaRPr kumimoji="1" lang="ja-JP" altLang="en-US" dirty="0"/>
           </a:p>
@@ -8739,8 +9506,8 @@
         </p:nvSpPr>
         <p:spPr>
           <a:xfrm>
-            <a:off x="5939747" y="2722426"/>
-            <a:ext cx="1158792" cy="369332"/>
+            <a:off x="5901874" y="3665848"/>
+            <a:ext cx="1290925" cy="369332"/>
           </a:xfrm>
           <a:prstGeom prst="rect">
             <a:avLst/>
@@ -8755,8 +9522,16 @@
           <a:p>
             <a:pPr algn="ctr"/>
             <a:r>
+              <a:rPr lang="en-US" altLang="ja-JP" dirty="0"/>
+              <a:t>4</a:t>
+            </a:r>
+            <a:r>
+              <a:rPr kumimoji="1" lang="en-US" altLang="ja-JP" dirty="0" smtClean="0"/>
+              <a:t>. execute</a:t>
+            </a:r>
+            <a:r>
               <a:rPr kumimoji="1" lang="en-US" altLang="ja-JP" dirty="0"/>
-              <a:t>execute()</a:t>
+              <a:t>()</a:t>
             </a:r>
             <a:endParaRPr kumimoji="1" lang="ja-JP" altLang="en-US" dirty="0"/>
           </a:p>
@@ -8770,7 +9545,7 @@
         </p:nvSpPr>
         <p:spPr>
           <a:xfrm>
-            <a:off x="6741626" y="309954"/>
+            <a:off x="6828710" y="1253376"/>
             <a:ext cx="5056364" cy="1894210"/>
           </a:xfrm>
           <a:prstGeom prst="rect">
@@ -8836,7 +9611,7 @@
         </p:nvSpPr>
         <p:spPr>
           <a:xfrm>
-            <a:off x="6741626" y="3306008"/>
+            <a:off x="6828710" y="4249430"/>
             <a:ext cx="5056364" cy="3328968"/>
           </a:xfrm>
           <a:prstGeom prst="rect">
@@ -8886,23 +9661,91 @@
           </a:p>
         </p:txBody>
       </p:sp>
-      <p:sp>
-        <p:nvSpPr>
-          <p:cNvPr id="74" name="正方形/長方形 73"/>
+      <p:cxnSp>
+        <p:nvCxnSpPr>
+          <p:cNvPr id="76" name="カギ線コネクタ 16"/>
+          <p:cNvCxnSpPr>
+            <a:cxnSpLocks/>
+            <a:endCxn id="61" idx="0"/>
+          </p:cNvCxnSpPr>
+          <p:nvPr/>
+        </p:nvCxnSpPr>
+        <p:spPr>
+          <a:xfrm>
+            <a:off x="8011165" y="2449610"/>
+            <a:ext cx="0" cy="781416"/>
+          </a:xfrm>
+          <a:prstGeom prst="straightConnector1">
+            <a:avLst/>
+          </a:prstGeom>
+          <a:ln>
+            <a:prstDash val="sysDash"/>
+            <a:tailEnd type="triangle"/>
+          </a:ln>
+        </p:spPr>
+        <p:style>
+          <a:lnRef idx="3">
+            <a:schemeClr val="dk1"/>
+          </a:lnRef>
+          <a:fillRef idx="0">
+            <a:schemeClr val="dk1"/>
+          </a:fillRef>
+          <a:effectRef idx="2">
+            <a:schemeClr val="dk1"/>
+          </a:effectRef>
+          <a:fontRef idx="minor">
+            <a:schemeClr val="tx1"/>
+          </a:fontRef>
+        </p:style>
+      </p:cxnSp>
+      <p:sp>
+        <p:nvSpPr>
+          <p:cNvPr id="77" name="テキスト ボックス 76"/>
+          <p:cNvSpPr txBox="1"/>
+          <p:nvPr/>
+        </p:nvSpPr>
+        <p:spPr>
+          <a:xfrm>
+            <a:off x="8008539" y="2582275"/>
+            <a:ext cx="2002447" cy="369332"/>
+          </a:xfrm>
+          <a:prstGeom prst="rect">
+            <a:avLst/>
+          </a:prstGeom>
+          <a:noFill/>
+        </p:spPr>
+        <p:txBody>
+          <a:bodyPr wrap="square" rtlCol="0" anchor="ctr">
+            <a:spAutoFit/>
+          </a:bodyPr>
+          <a:lstStyle/>
+          <a:p>
+            <a:r>
+              <a:rPr lang="en-US" altLang="ja-JP" dirty="0" smtClean="0"/>
+              <a:t>User </a:t>
+            </a:r>
+            <a:r>
+              <a:rPr lang="en-US" altLang="ja-JP" dirty="0"/>
+              <a:t>Implement</a:t>
+            </a:r>
+            <a:endParaRPr kumimoji="1" lang="ja-JP" altLang="en-US" dirty="0"/>
+          </a:p>
+        </p:txBody>
+      </p:sp>
+      <p:sp>
+        <p:nvSpPr>
+          <p:cNvPr id="81" name="正方形/長方形 80"/>
           <p:cNvSpPr/>
           <p:nvPr/>
         </p:nvSpPr>
         <p:spPr>
           <a:xfrm>
-            <a:off x="7122107" y="780616"/>
+            <a:off x="7209191" y="4723199"/>
             <a:ext cx="1603948" cy="725572"/>
           </a:xfrm>
           <a:prstGeom prst="rect">
             <a:avLst/>
           </a:prstGeom>
-          <a:solidFill>
-            <a:srgbClr val="00B0F0"/>
-          </a:solidFill>
         </p:spPr>
         <p:style>
           <a:lnRef idx="1">
@@ -8924,116 +9767,6 @@
           <a:p>
             <a:pPr algn="ctr"/>
             <a:r>
-              <a:rPr lang="en-US" altLang="ja-JP" dirty="0" err="1"/>
-              <a:t>XxxTasklet</a:t>
-            </a:r>
-            <a:endParaRPr kumimoji="1" lang="ja-JP" altLang="en-US" dirty="0"/>
-          </a:p>
-        </p:txBody>
-      </p:sp>
-      <p:cxnSp>
-        <p:nvCxnSpPr>
-          <p:cNvPr id="76" name="カギ線コネクタ 16"/>
-          <p:cNvCxnSpPr>
-            <a:cxnSpLocks/>
-            <a:stCxn id="74" idx="2"/>
-            <a:endCxn id="61" idx="0"/>
-          </p:cNvCxnSpPr>
-          <p:nvPr/>
-        </p:nvCxnSpPr>
-        <p:spPr>
-          <a:xfrm>
-            <a:off x="7924081" y="1506188"/>
-            <a:ext cx="0" cy="781416"/>
-          </a:xfrm>
-          <a:prstGeom prst="straightConnector1">
-            <a:avLst/>
-          </a:prstGeom>
-          <a:ln>
-            <a:prstDash val="sysDash"/>
-            <a:tailEnd type="triangle"/>
-          </a:ln>
-        </p:spPr>
-        <p:style>
-          <a:lnRef idx="3">
-            <a:schemeClr val="dk1"/>
-          </a:lnRef>
-          <a:fillRef idx="0">
-            <a:schemeClr val="dk1"/>
-          </a:fillRef>
-          <a:effectRef idx="2">
-            <a:schemeClr val="dk1"/>
-          </a:effectRef>
-          <a:fontRef idx="minor">
-            <a:schemeClr val="tx1"/>
-          </a:fontRef>
-        </p:style>
-      </p:cxnSp>
-      <p:sp>
-        <p:nvSpPr>
-          <p:cNvPr id="77" name="テキスト ボックス 76"/>
-          <p:cNvSpPr txBox="1"/>
-          <p:nvPr/>
-        </p:nvSpPr>
-        <p:spPr>
-          <a:xfrm>
-            <a:off x="7921455" y="1638853"/>
-            <a:ext cx="2002447" cy="369332"/>
-          </a:xfrm>
-          <a:prstGeom prst="rect">
-            <a:avLst/>
-          </a:prstGeom>
-          <a:noFill/>
-        </p:spPr>
-        <p:txBody>
-          <a:bodyPr wrap="square" rtlCol="0" anchor="ctr">
-            <a:spAutoFit/>
-          </a:bodyPr>
-          <a:lstStyle/>
-          <a:p>
-            <a:r>
-              <a:rPr lang="en-US" altLang="ja-JP" dirty="0"/>
-              <a:t>user Implement</a:t>
-            </a:r>
-            <a:endParaRPr kumimoji="1" lang="ja-JP" altLang="en-US" dirty="0"/>
-          </a:p>
-        </p:txBody>
-      </p:sp>
-      <p:sp>
-        <p:nvSpPr>
-          <p:cNvPr id="81" name="正方形/長方形 80"/>
-          <p:cNvSpPr/>
-          <p:nvPr/>
-        </p:nvSpPr>
-        <p:spPr>
-          <a:xfrm>
-            <a:off x="7122107" y="3779777"/>
-            <a:ext cx="1603948" cy="725572"/>
-          </a:xfrm>
-          <a:prstGeom prst="rect">
-            <a:avLst/>
-          </a:prstGeom>
-        </p:spPr>
-        <p:style>
-          <a:lnRef idx="1">
-            <a:schemeClr val="accent5"/>
-          </a:lnRef>
-          <a:fillRef idx="2">
-            <a:schemeClr val="accent5"/>
-          </a:fillRef>
-          <a:effectRef idx="1">
-            <a:schemeClr val="accent5"/>
-          </a:effectRef>
-          <a:fontRef idx="minor">
-            <a:schemeClr val="dk1"/>
-          </a:fontRef>
-        </p:style>
-        <p:txBody>
-          <a:bodyPr rtlCol="0" anchor="ctr"/>
-          <a:lstStyle/>
-          <a:p>
-            <a:pPr algn="ctr"/>
-            <a:r>
               <a:rPr kumimoji="1" lang="en-US" altLang="ja-JP" dirty="0" err="1"/>
               <a:t>ChunkOriented</a:t>
             </a:r>
@@ -9061,7 +9794,7 @@
         </p:nvCxnSpPr>
         <p:spPr>
           <a:xfrm flipV="1">
-            <a:off x="7924081" y="3013176"/>
+            <a:off x="8011165" y="3956598"/>
             <a:ext cx="0" cy="766601"/>
           </a:xfrm>
           <a:prstGeom prst="straightConnector1">
@@ -9095,7 +9828,7 @@
         </p:nvSpPr>
         <p:spPr>
           <a:xfrm>
-            <a:off x="7911991" y="3350612"/>
+            <a:off x="7999075" y="4294034"/>
             <a:ext cx="1415259" cy="369332"/>
           </a:xfrm>
           <a:prstGeom prst="rect">
@@ -9119,166 +9852,13 @@
       </p:sp>
       <p:sp>
         <p:nvSpPr>
-          <p:cNvPr id="86" name="正方形/長方形 85"/>
-          <p:cNvSpPr/>
-          <p:nvPr/>
-        </p:nvSpPr>
-        <p:spPr>
-          <a:xfrm>
-            <a:off x="10106151" y="4633304"/>
-            <a:ext cx="1603948" cy="740996"/>
-          </a:xfrm>
-          <a:prstGeom prst="rect">
-            <a:avLst/>
-          </a:prstGeom>
-        </p:spPr>
-        <p:style>
-          <a:lnRef idx="2">
-            <a:schemeClr val="accent1">
-              <a:shade val="50000"/>
-            </a:schemeClr>
-          </a:lnRef>
-          <a:fillRef idx="1">
-            <a:schemeClr val="accent1"/>
-          </a:fillRef>
-          <a:effectRef idx="0">
-            <a:schemeClr val="accent1"/>
-          </a:effectRef>
-          <a:fontRef idx="minor">
-            <a:schemeClr val="lt1"/>
-          </a:fontRef>
-        </p:style>
-        <p:txBody>
-          <a:bodyPr rtlCol="0" anchor="ctr"/>
-          <a:lstStyle/>
-          <a:p>
-            <a:pPr algn="ctr"/>
-            <a:r>
-              <a:rPr lang="en-US" altLang="ja-JP" i="1" dirty="0"/>
-              <a:t>&lt;&lt;interface&gt;&gt;</a:t>
-            </a:r>
-          </a:p>
-          <a:p>
-            <a:pPr algn="ctr"/>
-            <a:r>
-              <a:rPr kumimoji="1" lang="en-US" altLang="ja-JP" dirty="0" err="1"/>
-              <a:t>ItemProcessor</a:t>
-            </a:r>
-            <a:endParaRPr kumimoji="1" lang="ja-JP" altLang="en-US" dirty="0"/>
-          </a:p>
-        </p:txBody>
-      </p:sp>
-      <p:sp>
-        <p:nvSpPr>
-          <p:cNvPr id="88" name="正方形/長方形 87"/>
-          <p:cNvSpPr/>
-          <p:nvPr/>
-        </p:nvSpPr>
-        <p:spPr>
-          <a:xfrm>
-            <a:off x="10106151" y="3764353"/>
-            <a:ext cx="1603948" cy="740996"/>
-          </a:xfrm>
-          <a:prstGeom prst="rect">
-            <a:avLst/>
-          </a:prstGeom>
-        </p:spPr>
-        <p:style>
-          <a:lnRef idx="2">
-            <a:schemeClr val="accent1">
-              <a:shade val="50000"/>
-            </a:schemeClr>
-          </a:lnRef>
-          <a:fillRef idx="1">
-            <a:schemeClr val="accent1"/>
-          </a:fillRef>
-          <a:effectRef idx="0">
-            <a:schemeClr val="accent1"/>
-          </a:effectRef>
-          <a:fontRef idx="minor">
-            <a:schemeClr val="lt1"/>
-          </a:fontRef>
-        </p:style>
-        <p:txBody>
-          <a:bodyPr rtlCol="0" anchor="ctr"/>
-          <a:lstStyle/>
-          <a:p>
-            <a:pPr algn="ctr"/>
-            <a:r>
-              <a:rPr kumimoji="1" lang="en-US" altLang="ja-JP" i="1" dirty="0"/>
-              <a:t>&lt;&lt;interface&gt;&gt;</a:t>
-            </a:r>
-          </a:p>
-          <a:p>
-            <a:pPr algn="ctr"/>
-            <a:r>
-              <a:rPr kumimoji="1" lang="en-US" altLang="ja-JP" dirty="0" err="1"/>
-              <a:t>ItemReader</a:t>
-            </a:r>
-            <a:endParaRPr kumimoji="1" lang="ja-JP" altLang="en-US" dirty="0"/>
-          </a:p>
-        </p:txBody>
-      </p:sp>
-      <p:sp>
-        <p:nvSpPr>
-          <p:cNvPr id="89" name="正方形/長方形 88"/>
-          <p:cNvSpPr/>
-          <p:nvPr/>
-        </p:nvSpPr>
-        <p:spPr>
-          <a:xfrm>
-            <a:off x="10106151" y="5502254"/>
-            <a:ext cx="1603948" cy="740996"/>
-          </a:xfrm>
-          <a:prstGeom prst="rect">
-            <a:avLst/>
-          </a:prstGeom>
-        </p:spPr>
-        <p:style>
-          <a:lnRef idx="2">
-            <a:schemeClr val="accent1">
-              <a:shade val="50000"/>
-            </a:schemeClr>
-          </a:lnRef>
-          <a:fillRef idx="1">
-            <a:schemeClr val="accent1"/>
-          </a:fillRef>
-          <a:effectRef idx="0">
-            <a:schemeClr val="accent1"/>
-          </a:effectRef>
-          <a:fontRef idx="minor">
-            <a:schemeClr val="lt1"/>
-          </a:fontRef>
-        </p:style>
-        <p:txBody>
-          <a:bodyPr rtlCol="0" anchor="ctr"/>
-          <a:lstStyle/>
-          <a:p>
-            <a:pPr algn="ctr"/>
-            <a:r>
-              <a:rPr lang="en-US" altLang="ja-JP" i="1" dirty="0"/>
-              <a:t>&lt;&lt;interface&gt;&gt;</a:t>
-            </a:r>
-          </a:p>
-          <a:p>
-            <a:pPr algn="ctr"/>
-            <a:r>
-              <a:rPr kumimoji="1" lang="en-US" altLang="ja-JP" dirty="0" err="1"/>
-              <a:t>ItemWriter</a:t>
-            </a:r>
-            <a:endParaRPr kumimoji="1" lang="ja-JP" altLang="en-US" dirty="0"/>
-          </a:p>
-        </p:txBody>
-      </p:sp>
-      <p:sp>
-        <p:nvSpPr>
           <p:cNvPr id="92" name="テキスト ボックス 91"/>
           <p:cNvSpPr txBox="1"/>
           <p:nvPr/>
         </p:nvSpPr>
         <p:spPr>
           <a:xfrm>
-            <a:off x="9049625" y="4150272"/>
+            <a:off x="9136709" y="5093694"/>
             <a:ext cx="1158792" cy="369332"/>
           </a:xfrm>
           <a:prstGeom prst="rect">
@@ -9308,7 +9888,7 @@
         </p:nvSpPr>
         <p:spPr>
           <a:xfrm>
-            <a:off x="9049625" y="5010259"/>
+            <a:off x="9136709" y="5953681"/>
             <a:ext cx="1158792" cy="369332"/>
           </a:xfrm>
           <a:prstGeom prst="rect">
@@ -9338,7 +9918,7 @@
         </p:nvSpPr>
         <p:spPr>
           <a:xfrm>
-            <a:off x="9049625" y="5862765"/>
+            <a:off x="9136709" y="6806187"/>
             <a:ext cx="1158792" cy="369332"/>
           </a:xfrm>
           <a:prstGeom prst="rect">
@@ -9366,13 +9946,12 @@
           <p:cNvCxnSpPr>
             <a:cxnSpLocks/>
             <a:stCxn id="81" idx="3"/>
-            <a:endCxn id="86" idx="1"/>
           </p:cNvCxnSpPr>
           <p:nvPr/>
         </p:nvCxnSpPr>
         <p:spPr>
           <a:xfrm>
-            <a:off x="8726055" y="4142563"/>
+            <a:off x="8813139" y="5085985"/>
             <a:ext cx="1380096" cy="861239"/>
           </a:xfrm>
           <a:prstGeom prst="bentConnector3">
@@ -9409,18 +9988,18 @@
           <p:cNvCxnSpPr>
             <a:cxnSpLocks/>
             <a:stCxn id="81" idx="3"/>
-            <a:endCxn id="89" idx="1"/>
+            <a:endCxn id="53" idx="1"/>
           </p:cNvCxnSpPr>
           <p:nvPr/>
         </p:nvCxnSpPr>
         <p:spPr>
           <a:xfrm>
-            <a:off x="8726055" y="4142563"/>
-            <a:ext cx="1380096" cy="1730189"/>
+            <a:off x="8813139" y="5085985"/>
+            <a:ext cx="1386820" cy="1726174"/>
           </a:xfrm>
           <a:prstGeom prst="bentConnector3">
             <a:avLst>
-              <a:gd name="adj1" fmla="val 16872"/>
+              <a:gd name="adj1" fmla="val 16117"/>
             </a:avLst>
           </a:prstGeom>
           <a:ln>
@@ -9457,7 +10036,7 @@
         </p:nvCxnSpPr>
         <p:spPr>
           <a:xfrm flipV="1">
-            <a:off x="8726055" y="4139121"/>
+            <a:off x="8813139" y="5082543"/>
             <a:ext cx="1380096" cy="3442"/>
           </a:xfrm>
           <a:prstGeom prst="straightConnector1">
@@ -9490,7 +10069,7 @@
         </p:nvSpPr>
         <p:spPr>
           <a:xfrm>
-            <a:off x="2690591" y="3121342"/>
+            <a:off x="2559965" y="4064764"/>
             <a:ext cx="1158792" cy="369332"/>
           </a:xfrm>
           <a:prstGeom prst="rect">
@@ -9505,8 +10084,20 @@
           <a:lstStyle/>
           <a:p>
             <a:r>
-              <a:rPr kumimoji="1" lang="en-US" altLang="ja-JP" dirty="0"/>
-              <a:t>create</a:t>
+              <a:rPr lang="en-US" altLang="ja-JP" dirty="0"/>
+              <a:t>1</a:t>
+            </a:r>
+            <a:r>
+              <a:rPr kumimoji="1" lang="en-US" altLang="ja-JP" dirty="0" smtClean="0"/>
+              <a:t>. </a:t>
+            </a:r>
+            <a:r>
+              <a:rPr lang="en-US" altLang="ja-JP" dirty="0"/>
+              <a:t>C</a:t>
+            </a:r>
+            <a:r>
+              <a:rPr kumimoji="1" lang="en-US" altLang="ja-JP" dirty="0" smtClean="0"/>
+              <a:t>reate</a:t>
             </a:r>
             <a:endParaRPr kumimoji="1" lang="ja-JP" altLang="en-US" dirty="0"/>
           </a:p>
@@ -9520,7 +10111,7 @@
         </p:nvSpPr>
         <p:spPr>
           <a:xfrm>
-            <a:off x="2690591" y="3952873"/>
+            <a:off x="2559965" y="4896295"/>
             <a:ext cx="1158792" cy="369332"/>
           </a:xfrm>
           <a:prstGeom prst="rect">
@@ -9536,7 +10127,11 @@
           <a:p>
             <a:r>
               <a:rPr lang="en-US" altLang="ja-JP" dirty="0"/>
-              <a:t>register</a:t>
+              <a:t>2</a:t>
+            </a:r>
+            <a:r>
+              <a:rPr lang="en-US" altLang="ja-JP" dirty="0" smtClean="0"/>
+              <a:t>. Register</a:t>
             </a:r>
             <a:endParaRPr kumimoji="1" lang="ja-JP" altLang="en-US" dirty="0"/>
           </a:p>
@@ -9554,8 +10149,8 @@
         </p:nvCxnSpPr>
         <p:spPr>
           <a:xfrm rot="16200000" flipH="1">
-            <a:off x="2151308" y="1712563"/>
-            <a:ext cx="1876056" cy="1646027"/>
+            <a:off x="2056967" y="2619701"/>
+            <a:ext cx="1876056" cy="1718596"/>
           </a:xfrm>
           <a:prstGeom prst="bentConnector2">
             <a:avLst/>
@@ -9595,8 +10190,8 @@
         </p:nvCxnSpPr>
         <p:spPr>
           <a:xfrm rot="16200000" flipH="1">
-            <a:off x="1814225" y="2049647"/>
-            <a:ext cx="2689557" cy="1785360"/>
+            <a:off x="1786559" y="2890109"/>
+            <a:ext cx="2689557" cy="1991280"/>
           </a:xfrm>
           <a:prstGeom prst="bentConnector2">
             <a:avLst/>
@@ -9624,6 +10219,571 @@
           </a:fontRef>
         </p:style>
       </p:cxnSp>
+      <p:grpSp>
+        <p:nvGrpSpPr>
+          <p:cNvPr id="47" name="グループ化 46"/>
+          <p:cNvGrpSpPr/>
+          <p:nvPr/>
+        </p:nvGrpSpPr>
+        <p:grpSpPr>
+          <a:xfrm>
+            <a:off x="10199959" y="4750827"/>
+            <a:ext cx="1590039" cy="2360160"/>
+            <a:chOff x="10106151" y="3764353"/>
+            <a:chExt cx="1603948" cy="2926219"/>
+          </a:xfrm>
+        </p:grpSpPr>
+        <p:sp>
+          <p:nvSpPr>
+            <p:cNvPr id="48" name="正方形/長方形 47"/>
+            <p:cNvSpPr/>
+            <p:nvPr/>
+          </p:nvSpPr>
+          <p:spPr>
+            <a:xfrm>
+              <a:off x="10106151" y="3764353"/>
+              <a:ext cx="1603948" cy="740996"/>
+            </a:xfrm>
+            <a:prstGeom prst="rect">
+              <a:avLst/>
+            </a:prstGeom>
+            <a:solidFill>
+              <a:srgbClr val="A3CC8F"/>
+            </a:solidFill>
+            <a:ln>
+              <a:solidFill>
+                <a:srgbClr val="70AD47"/>
+              </a:solidFill>
+            </a:ln>
+          </p:spPr>
+          <p:style>
+            <a:lnRef idx="2">
+              <a:schemeClr val="accent1">
+                <a:shade val="50000"/>
+              </a:schemeClr>
+            </a:lnRef>
+            <a:fillRef idx="1">
+              <a:schemeClr val="accent1"/>
+            </a:fillRef>
+            <a:effectRef idx="0">
+              <a:schemeClr val="accent1"/>
+            </a:effectRef>
+            <a:fontRef idx="minor">
+              <a:schemeClr val="lt1"/>
+            </a:fontRef>
+          </p:style>
+          <p:txBody>
+            <a:bodyPr rtlCol="0" anchor="ctr"/>
+            <a:lstStyle/>
+            <a:p>
+              <a:pPr algn="ctr"/>
+              <a:r>
+                <a:rPr lang="en-US" altLang="ja-JP" i="1" dirty="0">
+                  <a:solidFill>
+                    <a:schemeClr val="tx1"/>
+                  </a:solidFill>
+                </a:rPr>
+                <a:t>&lt;&lt;interface</a:t>
+              </a:r>
+              <a:r>
+                <a:rPr lang="en-US" altLang="ja-JP" i="1" dirty="0" smtClean="0">
+                  <a:solidFill>
+                    <a:schemeClr val="tx1"/>
+                  </a:solidFill>
+                </a:rPr>
+                <a:t>&gt;&gt;</a:t>
+              </a:r>
+              <a:endParaRPr kumimoji="1" lang="en-US" altLang="ja-JP" dirty="0" smtClean="0">
+                <a:solidFill>
+                  <a:schemeClr val="tx1"/>
+                </a:solidFill>
+              </a:endParaRPr>
+            </a:p>
+            <a:p>
+              <a:pPr algn="ctr"/>
+              <a:r>
+                <a:rPr kumimoji="1" lang="en-US" altLang="ja-JP" dirty="0" err="1" smtClean="0">
+                  <a:solidFill>
+                    <a:schemeClr val="tx1"/>
+                  </a:solidFill>
+                </a:rPr>
+                <a:t>ItemReader</a:t>
+              </a:r>
+              <a:endParaRPr kumimoji="1" lang="ja-JP" altLang="en-US" dirty="0">
+                <a:solidFill>
+                  <a:schemeClr val="tx1"/>
+                </a:solidFill>
+              </a:endParaRPr>
+            </a:p>
+          </p:txBody>
+        </p:sp>
+        <p:sp>
+          <p:nvSpPr>
+            <p:cNvPr id="49" name="正方形/長方形 48"/>
+            <p:cNvSpPr/>
+            <p:nvPr/>
+          </p:nvSpPr>
+          <p:spPr>
+            <a:xfrm>
+              <a:off x="10106151" y="4874701"/>
+              <a:ext cx="1603948" cy="740996"/>
+            </a:xfrm>
+            <a:prstGeom prst="rect">
+              <a:avLst/>
+            </a:prstGeom>
+            <a:solidFill>
+              <a:srgbClr val="A3CC8F"/>
+            </a:solidFill>
+            <a:ln>
+              <a:solidFill>
+                <a:srgbClr val="70AD47"/>
+              </a:solidFill>
+            </a:ln>
+          </p:spPr>
+          <p:style>
+            <a:lnRef idx="2">
+              <a:schemeClr val="accent1">
+                <a:shade val="50000"/>
+              </a:schemeClr>
+            </a:lnRef>
+            <a:fillRef idx="1">
+              <a:schemeClr val="accent1"/>
+            </a:fillRef>
+            <a:effectRef idx="0">
+              <a:schemeClr val="accent1"/>
+            </a:effectRef>
+            <a:fontRef idx="minor">
+              <a:schemeClr val="lt1"/>
+            </a:fontRef>
+          </p:style>
+          <p:txBody>
+            <a:bodyPr rtlCol="0" anchor="ctr"/>
+            <a:lstStyle/>
+            <a:p>
+              <a:pPr algn="ctr"/>
+              <a:r>
+                <a:rPr lang="en-US" altLang="ja-JP" i="1" dirty="0">
+                  <a:solidFill>
+                    <a:schemeClr val="tx1"/>
+                  </a:solidFill>
+                </a:rPr>
+                <a:t>&lt;&lt;interface&gt;&gt;</a:t>
+              </a:r>
+              <a:endParaRPr lang="en-US" altLang="ja-JP" dirty="0" smtClean="0">
+                <a:solidFill>
+                  <a:schemeClr val="tx1"/>
+                </a:solidFill>
+              </a:endParaRPr>
+            </a:p>
+            <a:p>
+              <a:pPr algn="ctr"/>
+              <a:r>
+                <a:rPr lang="en-US" altLang="ja-JP" dirty="0" err="1" smtClean="0">
+                  <a:solidFill>
+                    <a:schemeClr val="tx1"/>
+                  </a:solidFill>
+                </a:rPr>
+                <a:t>ItemProcessor</a:t>
+              </a:r>
+              <a:endParaRPr lang="ja-JP" altLang="en-US" dirty="0">
+                <a:solidFill>
+                  <a:schemeClr val="tx1"/>
+                </a:solidFill>
+              </a:endParaRPr>
+            </a:p>
+          </p:txBody>
+        </p:sp>
+        <p:sp>
+          <p:nvSpPr>
+            <p:cNvPr id="53" name="正方形/長方形 52"/>
+            <p:cNvSpPr/>
+            <p:nvPr/>
+          </p:nvSpPr>
+          <p:spPr>
+            <a:xfrm>
+              <a:off x="10106151" y="5949575"/>
+              <a:ext cx="1603948" cy="740997"/>
+            </a:xfrm>
+            <a:prstGeom prst="rect">
+              <a:avLst/>
+            </a:prstGeom>
+            <a:solidFill>
+              <a:srgbClr val="A3CC8F"/>
+            </a:solidFill>
+            <a:ln>
+              <a:solidFill>
+                <a:srgbClr val="70AD47"/>
+              </a:solidFill>
+            </a:ln>
+          </p:spPr>
+          <p:style>
+            <a:lnRef idx="2">
+              <a:schemeClr val="accent1">
+                <a:shade val="50000"/>
+              </a:schemeClr>
+            </a:lnRef>
+            <a:fillRef idx="1">
+              <a:schemeClr val="accent1"/>
+            </a:fillRef>
+            <a:effectRef idx="0">
+              <a:schemeClr val="accent1"/>
+            </a:effectRef>
+            <a:fontRef idx="minor">
+              <a:schemeClr val="lt1"/>
+            </a:fontRef>
+          </p:style>
+          <p:txBody>
+            <a:bodyPr rtlCol="0" anchor="ctr"/>
+            <a:lstStyle/>
+            <a:p>
+              <a:pPr algn="ctr"/>
+              <a:r>
+                <a:rPr lang="en-US" altLang="ja-JP" i="1" dirty="0">
+                  <a:solidFill>
+                    <a:schemeClr val="tx1"/>
+                  </a:solidFill>
+                </a:rPr>
+                <a:t>&lt;&lt;interface&gt;&gt;</a:t>
+              </a:r>
+              <a:endParaRPr lang="en-US" altLang="ja-JP" dirty="0" smtClean="0">
+                <a:solidFill>
+                  <a:schemeClr val="tx1"/>
+                </a:solidFill>
+              </a:endParaRPr>
+            </a:p>
+            <a:p>
+              <a:pPr algn="ctr"/>
+              <a:r>
+                <a:rPr lang="en-US" altLang="ja-JP" dirty="0" err="1" smtClean="0">
+                  <a:solidFill>
+                    <a:schemeClr val="tx1"/>
+                  </a:solidFill>
+                </a:rPr>
+                <a:t>ItemWriter</a:t>
+              </a:r>
+              <a:endParaRPr lang="ja-JP" altLang="en-US" dirty="0">
+                <a:solidFill>
+                  <a:schemeClr val="tx1"/>
+                </a:solidFill>
+              </a:endParaRPr>
+            </a:p>
+          </p:txBody>
+        </p:sp>
+      </p:grpSp>
+      <p:sp>
+        <p:nvSpPr>
+          <p:cNvPr id="54" name="正方形/長方形 53"/>
+          <p:cNvSpPr/>
+          <p:nvPr/>
+        </p:nvSpPr>
+        <p:spPr>
+          <a:xfrm>
+            <a:off x="7213086" y="1701824"/>
+            <a:ext cx="1603948" cy="725572"/>
+          </a:xfrm>
+          <a:prstGeom prst="rect">
+            <a:avLst/>
+          </a:prstGeom>
+        </p:spPr>
+        <p:style>
+          <a:lnRef idx="1">
+            <a:schemeClr val="accent1"/>
+          </a:lnRef>
+          <a:fillRef idx="2">
+            <a:schemeClr val="accent1"/>
+          </a:fillRef>
+          <a:effectRef idx="1">
+            <a:schemeClr val="accent1"/>
+          </a:effectRef>
+          <a:fontRef idx="minor">
+            <a:schemeClr val="dk1"/>
+          </a:fontRef>
+        </p:style>
+        <p:txBody>
+          <a:bodyPr rtlCol="0" anchor="ctr"/>
+          <a:lstStyle/>
+          <a:p>
+            <a:pPr algn="ctr"/>
+            <a:r>
+              <a:rPr lang="en-US" altLang="ja-JP" dirty="0" err="1"/>
+              <a:t>XxxTasklet</a:t>
+            </a:r>
+            <a:endParaRPr lang="ja-JP" altLang="en-US" dirty="0"/>
+          </a:p>
+        </p:txBody>
+      </p:sp>
+      <p:sp>
+        <p:nvSpPr>
+          <p:cNvPr id="64" name="正方形/長方形 63"/>
+          <p:cNvSpPr/>
+          <p:nvPr/>
+        </p:nvSpPr>
+        <p:spPr>
+          <a:xfrm>
+            <a:off x="6652791" y="148100"/>
+            <a:ext cx="669330" cy="232751"/>
+          </a:xfrm>
+          <a:prstGeom prst="rect">
+            <a:avLst/>
+          </a:prstGeom>
+        </p:spPr>
+        <p:style>
+          <a:lnRef idx="1">
+            <a:schemeClr val="accent6"/>
+          </a:lnRef>
+          <a:fillRef idx="2">
+            <a:schemeClr val="accent6"/>
+          </a:fillRef>
+          <a:effectRef idx="1">
+            <a:schemeClr val="accent6"/>
+          </a:effectRef>
+          <a:fontRef idx="minor">
+            <a:schemeClr val="dk1"/>
+          </a:fontRef>
+        </p:style>
+        <p:txBody>
+          <a:bodyPr rtlCol="0" anchor="ctr"/>
+          <a:lstStyle/>
+          <a:p>
+            <a:pPr algn="ctr"/>
+            <a:endParaRPr kumimoji="1" lang="ja-JP" altLang="en-US" dirty="0"/>
+          </a:p>
+        </p:txBody>
+      </p:sp>
+      <p:sp>
+        <p:nvSpPr>
+          <p:cNvPr id="66" name="テキスト ボックス 65"/>
+          <p:cNvSpPr txBox="1"/>
+          <p:nvPr/>
+        </p:nvSpPr>
+        <p:spPr>
+          <a:xfrm>
+            <a:off x="7364652" y="97219"/>
+            <a:ext cx="955001" cy="338554"/>
+          </a:xfrm>
+          <a:prstGeom prst="rect">
+            <a:avLst/>
+          </a:prstGeom>
+          <a:noFill/>
+        </p:spPr>
+        <p:txBody>
+          <a:bodyPr wrap="square" rtlCol="0" anchor="t">
+            <a:spAutoFit/>
+          </a:bodyPr>
+          <a:lstStyle/>
+          <a:p>
+            <a:r>
+              <a:rPr kumimoji="1" lang="en-US" altLang="ja-JP" sz="1600" dirty="0" smtClean="0"/>
+              <a:t>Interface</a:t>
+            </a:r>
+            <a:endParaRPr kumimoji="1" lang="ja-JP" altLang="en-US" sz="1600" dirty="0"/>
+          </a:p>
+        </p:txBody>
+      </p:sp>
+      <p:sp>
+        <p:nvSpPr>
+          <p:cNvPr id="67" name="テキスト ボックス 66"/>
+          <p:cNvSpPr txBox="1"/>
+          <p:nvPr/>
+        </p:nvSpPr>
+        <p:spPr>
+          <a:xfrm>
+            <a:off x="7342019" y="482142"/>
+            <a:ext cx="1763719" cy="338554"/>
+          </a:xfrm>
+          <a:prstGeom prst="rect">
+            <a:avLst/>
+          </a:prstGeom>
+          <a:noFill/>
+        </p:spPr>
+        <p:txBody>
+          <a:bodyPr wrap="square" rtlCol="0" anchor="t">
+            <a:spAutoFit/>
+          </a:bodyPr>
+          <a:lstStyle/>
+          <a:p>
+            <a:r>
+              <a:rPr lang="en-US" altLang="ja-JP" sz="1600" dirty="0" smtClean="0"/>
+              <a:t>Implemented Class</a:t>
+            </a:r>
+            <a:endParaRPr lang="ja-JP" altLang="en-US" sz="1600" dirty="0"/>
+          </a:p>
+        </p:txBody>
+      </p:sp>
+      <p:sp>
+        <p:nvSpPr>
+          <p:cNvPr id="70" name="円/楕円 69"/>
+          <p:cNvSpPr/>
+          <p:nvPr/>
+        </p:nvSpPr>
+        <p:spPr>
+          <a:xfrm>
+            <a:off x="9163457" y="510244"/>
+            <a:ext cx="669330" cy="251902"/>
+          </a:xfrm>
+          <a:prstGeom prst="ellipse">
+            <a:avLst/>
+          </a:prstGeom>
+        </p:spPr>
+        <p:style>
+          <a:lnRef idx="1">
+            <a:schemeClr val="accent4"/>
+          </a:lnRef>
+          <a:fillRef idx="2">
+            <a:schemeClr val="accent4"/>
+          </a:fillRef>
+          <a:effectRef idx="1">
+            <a:schemeClr val="accent4"/>
+          </a:effectRef>
+          <a:fontRef idx="minor">
+            <a:schemeClr val="dk1"/>
+          </a:fontRef>
+        </p:style>
+        <p:txBody>
+          <a:bodyPr rtlCol="0" anchor="ctr"/>
+          <a:lstStyle/>
+          <a:p>
+            <a:pPr algn="ctr"/>
+            <a:endParaRPr kumimoji="1" lang="ja-JP" altLang="en-US" dirty="0"/>
+          </a:p>
+        </p:txBody>
+      </p:sp>
+      <p:sp>
+        <p:nvSpPr>
+          <p:cNvPr id="72" name="正方形/長方形 71"/>
+          <p:cNvSpPr/>
+          <p:nvPr/>
+        </p:nvSpPr>
+        <p:spPr>
+          <a:xfrm>
+            <a:off x="9164606" y="163155"/>
+            <a:ext cx="669330" cy="232751"/>
+          </a:xfrm>
+          <a:prstGeom prst="rect">
+            <a:avLst/>
+          </a:prstGeom>
+        </p:spPr>
+        <p:style>
+          <a:lnRef idx="1">
+            <a:schemeClr val="accent1"/>
+          </a:lnRef>
+          <a:fillRef idx="2">
+            <a:schemeClr val="accent1"/>
+          </a:fillRef>
+          <a:effectRef idx="1">
+            <a:schemeClr val="accent1"/>
+          </a:effectRef>
+          <a:fontRef idx="minor">
+            <a:schemeClr val="dk1"/>
+          </a:fontRef>
+        </p:style>
+        <p:txBody>
+          <a:bodyPr rtlCol="0" anchor="ctr"/>
+          <a:lstStyle/>
+          <a:p>
+            <a:pPr algn="ctr"/>
+            <a:endParaRPr kumimoji="1" lang="ja-JP" altLang="en-US" dirty="0"/>
+          </a:p>
+        </p:txBody>
+      </p:sp>
+      <p:sp>
+        <p:nvSpPr>
+          <p:cNvPr id="74" name="正方形/長方形 73"/>
+          <p:cNvSpPr/>
+          <p:nvPr/>
+        </p:nvSpPr>
+        <p:spPr>
+          <a:xfrm>
+            <a:off x="6652791" y="523266"/>
+            <a:ext cx="669330" cy="232751"/>
+          </a:xfrm>
+          <a:prstGeom prst="rect">
+            <a:avLst/>
+          </a:prstGeom>
+        </p:spPr>
+        <p:style>
+          <a:lnRef idx="1">
+            <a:schemeClr val="accent5"/>
+          </a:lnRef>
+          <a:fillRef idx="2">
+            <a:schemeClr val="accent5"/>
+          </a:fillRef>
+          <a:effectRef idx="1">
+            <a:schemeClr val="accent5"/>
+          </a:effectRef>
+          <a:fontRef idx="minor">
+            <a:schemeClr val="dk1"/>
+          </a:fontRef>
+        </p:style>
+        <p:txBody>
+          <a:bodyPr rtlCol="0" anchor="ctr"/>
+          <a:lstStyle/>
+          <a:p>
+            <a:pPr algn="ctr"/>
+            <a:endParaRPr kumimoji="1" lang="ja-JP" altLang="en-US" dirty="0"/>
+          </a:p>
+        </p:txBody>
+      </p:sp>
+      <p:sp>
+        <p:nvSpPr>
+          <p:cNvPr id="75" name="テキスト ボックス 74"/>
+          <p:cNvSpPr txBox="1"/>
+          <p:nvPr/>
+        </p:nvSpPr>
+        <p:spPr>
+          <a:xfrm>
+            <a:off x="9833936" y="482842"/>
+            <a:ext cx="913951" cy="349576"/>
+          </a:xfrm>
+          <a:prstGeom prst="rect">
+            <a:avLst/>
+          </a:prstGeom>
+          <a:noFill/>
+        </p:spPr>
+        <p:txBody>
+          <a:bodyPr wrap="square" rtlCol="0" anchor="t">
+            <a:spAutoFit/>
+          </a:bodyPr>
+          <a:lstStyle/>
+          <a:p>
+            <a:r>
+              <a:rPr lang="en-US" altLang="ja-JP" sz="1600" dirty="0" smtClean="0"/>
+              <a:t>Variable</a:t>
+            </a:r>
+            <a:endParaRPr kumimoji="1" lang="ja-JP" altLang="en-US" sz="1600" dirty="0"/>
+          </a:p>
+        </p:txBody>
+      </p:sp>
+      <p:sp>
+        <p:nvSpPr>
+          <p:cNvPr id="78" name="テキスト ボックス 77"/>
+          <p:cNvSpPr txBox="1"/>
+          <p:nvPr/>
+        </p:nvSpPr>
+        <p:spPr>
+          <a:xfrm>
+            <a:off x="9855766" y="113432"/>
+            <a:ext cx="2191089" cy="338554"/>
+          </a:xfrm>
+          <a:prstGeom prst="rect">
+            <a:avLst/>
+          </a:prstGeom>
+          <a:noFill/>
+        </p:spPr>
+        <p:txBody>
+          <a:bodyPr wrap="square" rtlCol="0" anchor="t">
+            <a:spAutoFit/>
+          </a:bodyPr>
+          <a:lstStyle/>
+          <a:p>
+            <a:r>
+              <a:rPr lang="en-US" altLang="ja-JP" sz="1600" dirty="0" smtClean="0"/>
+              <a:t>User Implemented Class</a:t>
+            </a:r>
+            <a:endParaRPr lang="ja-JP" altLang="en-US" sz="1600" dirty="0"/>
+          </a:p>
+        </p:txBody>
+      </p:sp>
     </p:spTree>
     <p:extLst>
       <p:ext uri="{BB962C8B-B14F-4D97-AF65-F5344CB8AC3E}">
